--- a/Analysis.pptx
+++ b/Analysis.pptx
@@ -6,21 +6,29 @@
   </p:sldMasterIdLst>
   <p:sldIdLst>
     <p:sldId id="256" r:id="rId2"/>
-    <p:sldId id="257" r:id="rId3"/>
-    <p:sldId id="258" r:id="rId4"/>
-    <p:sldId id="259" r:id="rId5"/>
-    <p:sldId id="260" r:id="rId6"/>
-    <p:sldId id="261" r:id="rId7"/>
-    <p:sldId id="262" r:id="rId8"/>
-    <p:sldId id="263" r:id="rId9"/>
-    <p:sldId id="264" r:id="rId10"/>
-    <p:sldId id="265" r:id="rId11"/>
-    <p:sldId id="266" r:id="rId12"/>
-    <p:sldId id="267" r:id="rId13"/>
-    <p:sldId id="268" r:id="rId14"/>
-    <p:sldId id="269" r:id="rId15"/>
-    <p:sldId id="270" r:id="rId16"/>
-    <p:sldId id="271" r:id="rId17"/>
+    <p:sldId id="273" r:id="rId3"/>
+    <p:sldId id="274" r:id="rId4"/>
+    <p:sldId id="275" r:id="rId5"/>
+    <p:sldId id="258" r:id="rId6"/>
+    <p:sldId id="276" r:id="rId7"/>
+    <p:sldId id="277" r:id="rId8"/>
+    <p:sldId id="278" r:id="rId9"/>
+    <p:sldId id="259" r:id="rId10"/>
+    <p:sldId id="260" r:id="rId11"/>
+    <p:sldId id="279" r:id="rId12"/>
+    <p:sldId id="261" r:id="rId13"/>
+    <p:sldId id="262" r:id="rId14"/>
+    <p:sldId id="263" r:id="rId15"/>
+    <p:sldId id="264" r:id="rId16"/>
+    <p:sldId id="265" r:id="rId17"/>
+    <p:sldId id="266" r:id="rId18"/>
+    <p:sldId id="267" r:id="rId19"/>
+    <p:sldId id="268" r:id="rId20"/>
+    <p:sldId id="269" r:id="rId21"/>
+    <p:sldId id="270" r:id="rId22"/>
+    <p:sldId id="280" r:id="rId23"/>
+    <p:sldId id="271" r:id="rId24"/>
+    <p:sldId id="281" r:id="rId25"/>
   </p:sldIdLst>
   <p:sldSz cx="9144000" cy="6858000" type="screen4x3"/>
   <p:notesSz cx="6858000" cy="9144000"/>
@@ -303,7 +311,7 @@
           <a:p>
             <a:fld id="{915CE8DE-7336-42DB-A64B-387B2E587464}" type="datetimeFigureOut">
               <a:rPr lang="sk-SK" smtClean="0"/>
-              <a:t>18. 1. 2018</a:t>
+              <a:t>20. 1. 2018</a:t>
             </a:fld>
             <a:endParaRPr lang="sk-SK"/>
           </a:p>
@@ -473,7 +481,7 @@
           <a:p>
             <a:fld id="{915CE8DE-7336-42DB-A64B-387B2E587464}" type="datetimeFigureOut">
               <a:rPr lang="sk-SK" smtClean="0"/>
-              <a:t>18. 1. 2018</a:t>
+              <a:t>20. 1. 2018</a:t>
             </a:fld>
             <a:endParaRPr lang="sk-SK"/>
           </a:p>
@@ -653,7 +661,7 @@
           <a:p>
             <a:fld id="{915CE8DE-7336-42DB-A64B-387B2E587464}" type="datetimeFigureOut">
               <a:rPr lang="sk-SK" smtClean="0"/>
-              <a:t>18. 1. 2018</a:t>
+              <a:t>20. 1. 2018</a:t>
             </a:fld>
             <a:endParaRPr lang="sk-SK"/>
           </a:p>
@@ -823,7 +831,7 @@
           <a:p>
             <a:fld id="{915CE8DE-7336-42DB-A64B-387B2E587464}" type="datetimeFigureOut">
               <a:rPr lang="sk-SK" smtClean="0"/>
-              <a:t>18. 1. 2018</a:t>
+              <a:t>20. 1. 2018</a:t>
             </a:fld>
             <a:endParaRPr lang="sk-SK"/>
           </a:p>
@@ -1069,7 +1077,7 @@
           <a:p>
             <a:fld id="{915CE8DE-7336-42DB-A64B-387B2E587464}" type="datetimeFigureOut">
               <a:rPr lang="sk-SK" smtClean="0"/>
-              <a:t>18. 1. 2018</a:t>
+              <a:t>20. 1. 2018</a:t>
             </a:fld>
             <a:endParaRPr lang="sk-SK"/>
           </a:p>
@@ -1357,7 +1365,7 @@
           <a:p>
             <a:fld id="{915CE8DE-7336-42DB-A64B-387B2E587464}" type="datetimeFigureOut">
               <a:rPr lang="sk-SK" smtClean="0"/>
-              <a:t>18. 1. 2018</a:t>
+              <a:t>20. 1. 2018</a:t>
             </a:fld>
             <a:endParaRPr lang="sk-SK"/>
           </a:p>
@@ -1779,7 +1787,7 @@
           <a:p>
             <a:fld id="{915CE8DE-7336-42DB-A64B-387B2E587464}" type="datetimeFigureOut">
               <a:rPr lang="sk-SK" smtClean="0"/>
-              <a:t>18. 1. 2018</a:t>
+              <a:t>20. 1. 2018</a:t>
             </a:fld>
             <a:endParaRPr lang="sk-SK"/>
           </a:p>
@@ -1897,7 +1905,7 @@
           <a:p>
             <a:fld id="{915CE8DE-7336-42DB-A64B-387B2E587464}" type="datetimeFigureOut">
               <a:rPr lang="sk-SK" smtClean="0"/>
-              <a:t>18. 1. 2018</a:t>
+              <a:t>20. 1. 2018</a:t>
             </a:fld>
             <a:endParaRPr lang="sk-SK"/>
           </a:p>
@@ -1992,7 +2000,7 @@
           <a:p>
             <a:fld id="{915CE8DE-7336-42DB-A64B-387B2E587464}" type="datetimeFigureOut">
               <a:rPr lang="sk-SK" smtClean="0"/>
-              <a:t>18. 1. 2018</a:t>
+              <a:t>20. 1. 2018</a:t>
             </a:fld>
             <a:endParaRPr lang="sk-SK"/>
           </a:p>
@@ -2269,7 +2277,7 @@
           <a:p>
             <a:fld id="{915CE8DE-7336-42DB-A64B-387B2E587464}" type="datetimeFigureOut">
               <a:rPr lang="sk-SK" smtClean="0"/>
-              <a:t>18. 1. 2018</a:t>
+              <a:t>20. 1. 2018</a:t>
             </a:fld>
             <a:endParaRPr lang="sk-SK"/>
           </a:p>
@@ -2522,7 +2530,7 @@
           <a:p>
             <a:fld id="{915CE8DE-7336-42DB-A64B-387B2E587464}" type="datetimeFigureOut">
               <a:rPr lang="sk-SK" smtClean="0"/>
-              <a:t>18. 1. 2018</a:t>
+              <a:t>20. 1. 2018</a:t>
             </a:fld>
             <a:endParaRPr lang="sk-SK"/>
           </a:p>
@@ -2735,7 +2743,7 @@
           <a:p>
             <a:fld id="{915CE8DE-7336-42DB-A64B-387B2E587464}" type="datetimeFigureOut">
               <a:rPr lang="sk-SK" smtClean="0"/>
-              <a:t>18. 1. 2018</a:t>
+              <a:t>20. 1. 2018</a:t>
             </a:fld>
             <a:endParaRPr lang="sk-SK"/>
           </a:p>
@@ -3152,7 +3160,7 @@
         </p:blipFill>
         <p:spPr bwMode="auto">
           <a:xfrm>
-            <a:off x="323528" y="812976"/>
+            <a:off x="467544" y="692696"/>
             <a:ext cx="8086725" cy="5381625"/>
           </a:xfrm>
           <a:prstGeom prst="rect">
@@ -3256,50 +3264,67 @@
           <a:p>
             <a:r>
               <a:rPr lang="en-GB" dirty="0" smtClean="0"/>
+              <a:t>Functional requirements</a:t>
+            </a:r>
+            <a:endParaRPr lang="sk-SK" dirty="0"/>
+          </a:p>
+        </p:txBody>
+      </p:sp>
+      <p:sp>
+        <p:nvSpPr>
+          <p:cNvPr id="3" name="Zástupný symbol obsahu 2"/>
+          <p:cNvSpPr>
+            <a:spLocks noGrp="1"/>
+          </p:cNvSpPr>
+          <p:nvPr>
+            <p:ph idx="1"/>
+          </p:nvPr>
+        </p:nvSpPr>
+        <p:spPr/>
+        <p:txBody>
+          <a:bodyPr/>
+          <a:lstStyle/>
+          <a:p>
+            <a:r>
+              <a:rPr lang="en-GB" dirty="0" smtClean="0"/>
+              <a:t>Regarding:</a:t>
+            </a:r>
+          </a:p>
+          <a:p>
+            <a:pPr lvl="1"/>
+            <a:r>
+              <a:rPr lang="en-GB" dirty="0" smtClean="0"/>
+              <a:t>Member/Participant</a:t>
+            </a:r>
+          </a:p>
+          <a:p>
+            <a:pPr lvl="1"/>
+            <a:r>
+              <a:rPr lang="en-GB" dirty="0" smtClean="0"/>
+              <a:t>Lecturer</a:t>
+            </a:r>
+          </a:p>
+          <a:p>
+            <a:pPr lvl="1"/>
+            <a:r>
+              <a:rPr lang="en-GB" dirty="0" smtClean="0"/>
               <a:t>Event</a:t>
             </a:r>
+          </a:p>
+          <a:p>
+            <a:pPr lvl="1"/>
+            <a:r>
+              <a:rPr lang="en-GB" dirty="0" smtClean="0"/>
+              <a:t>Newsletter</a:t>
+            </a:r>
             <a:endParaRPr lang="sk-SK" dirty="0"/>
-          </a:p>
-        </p:txBody>
-      </p:sp>
-      <p:sp>
-        <p:nvSpPr>
-          <p:cNvPr id="3" name="Zástupný symbol obsahu 2"/>
-          <p:cNvSpPr>
-            <a:spLocks noGrp="1"/>
-          </p:cNvSpPr>
-          <p:nvPr>
-            <p:ph idx="1"/>
-          </p:nvPr>
-        </p:nvSpPr>
-        <p:spPr/>
-        <p:txBody>
-          <a:bodyPr/>
-          <a:lstStyle/>
-          <a:p>
-            <a:r>
-              <a:rPr lang="en-GB" dirty="0" smtClean="0"/>
-              <a:t>Plan and modify event</a:t>
-            </a:r>
-          </a:p>
-          <a:p>
-            <a:r>
-              <a:rPr lang="en-GB" dirty="0" smtClean="0"/>
-              <a:t>Search for not finalized events</a:t>
-            </a:r>
-          </a:p>
-          <a:p>
-            <a:r>
-              <a:rPr lang="en-GB" dirty="0" smtClean="0"/>
-              <a:t>Return the amount of available places for every event</a:t>
-            </a:r>
           </a:p>
         </p:txBody>
       </p:sp>
     </p:spTree>
     <p:extLst>
       <p:ext uri="{BB962C8B-B14F-4D97-AF65-F5344CB8AC3E}">
-        <p14:creationId xmlns:p14="http://schemas.microsoft.com/office/powerpoint/2010/main" val="3290654635"/>
+        <p14:creationId xmlns:p14="http://schemas.microsoft.com/office/powerpoint/2010/main" val="1980660397"/>
       </p:ext>
     </p:extLst>
   </p:cSld>
@@ -3348,57 +3373,232 @@
           <a:bodyPr/>
           <a:lstStyle/>
           <a:p>
-            <a:endParaRPr lang="sk-SK"/>
-          </a:p>
-        </p:txBody>
-      </p:sp>
-      <p:sp>
-        <p:nvSpPr>
-          <p:cNvPr id="3" name="Zástupný symbol obsahu 2"/>
-          <p:cNvSpPr>
-            <a:spLocks noGrp="1"/>
-          </p:cNvSpPr>
-          <p:nvPr>
-            <p:ph idx="1"/>
-          </p:nvPr>
-        </p:nvSpPr>
-        <p:spPr/>
-        <p:txBody>
-          <a:bodyPr/>
-          <a:lstStyle/>
-          <a:p>
-            <a:endParaRPr lang="sk-SK"/>
+            <a:r>
+              <a:rPr lang="en-GB" dirty="0" smtClean="0"/>
+              <a:t>Functional requirements</a:t>
+            </a:r>
+            <a:endParaRPr lang="sk-SK" dirty="0"/>
           </a:p>
         </p:txBody>
       </p:sp>
       <p:pic>
         <p:nvPicPr>
-          <p:cNvPr id="4" name="image12.png"/>
-          <p:cNvPicPr/>
+          <p:cNvPr id="10243" name="Picture 3"/>
+          <p:cNvPicPr>
+            <a:picLocks noChangeAspect="1" noChangeArrowheads="1"/>
+          </p:cNvPicPr>
           <p:nvPr/>
         </p:nvPicPr>
         <p:blipFill>
-          <a:blip r:embed="rId2"/>
+          <a:blip r:embed="rId2">
+            <a:extLst>
+              <a:ext uri="{28A0092B-C50C-407E-A947-70E740481C1C}">
+                <a14:useLocalDpi xmlns:a14="http://schemas.microsoft.com/office/drawing/2010/main" val="0"/>
+              </a:ext>
+            </a:extLst>
+          </a:blip>
           <a:srcRect/>
           <a:stretch>
             <a:fillRect/>
           </a:stretch>
         </p:blipFill>
-        <p:spPr>
+        <p:spPr bwMode="auto">
           <a:xfrm>
-            <a:off x="1547664" y="692696"/>
-            <a:ext cx="5832648" cy="5832647"/>
+            <a:off x="971600" y="1709058"/>
+            <a:ext cx="3096343" cy="2129938"/>
           </a:xfrm>
           <a:prstGeom prst="rect">
             <a:avLst/>
           </a:prstGeom>
-          <a:ln/>
+          <a:noFill/>
+          <a:ln>
+            <a:noFill/>
+          </a:ln>
+          <a:extLst>
+            <a:ext uri="{909E8E84-426E-40DD-AFC4-6F175D3DCCD1}">
+              <a14:hiddenFill xmlns:a14="http://schemas.microsoft.com/office/drawing/2010/main">
+                <a:solidFill>
+                  <a:schemeClr val="accent1"/>
+                </a:solidFill>
+              </a14:hiddenFill>
+            </a:ext>
+            <a:ext uri="{91240B29-F687-4F45-9708-019B960494DF}">
+              <a14:hiddenLine xmlns:a14="http://schemas.microsoft.com/office/drawing/2010/main" w="9525">
+                <a:solidFill>
+                  <a:schemeClr val="tx1"/>
+                </a:solidFill>
+                <a:miter lim="800000"/>
+                <a:headEnd/>
+                <a:tailEnd/>
+              </a14:hiddenLine>
+            </a:ext>
+          </a:extLst>
+        </p:spPr>
+      </p:pic>
+      <p:pic>
+        <p:nvPicPr>
+          <p:cNvPr id="10244" name="Picture 4"/>
+          <p:cNvPicPr>
+            <a:picLocks noChangeAspect="1" noChangeArrowheads="1"/>
+          </p:cNvPicPr>
+          <p:nvPr/>
+        </p:nvPicPr>
+        <p:blipFill>
+          <a:blip r:embed="rId3">
+            <a:extLst>
+              <a:ext uri="{28A0092B-C50C-407E-A947-70E740481C1C}">
+                <a14:useLocalDpi xmlns:a14="http://schemas.microsoft.com/office/drawing/2010/main" val="0"/>
+              </a:ext>
+            </a:extLst>
+          </a:blip>
+          <a:srcRect/>
+          <a:stretch>
+            <a:fillRect/>
+          </a:stretch>
+        </p:blipFill>
+        <p:spPr bwMode="auto">
+          <a:xfrm>
+            <a:off x="5364088" y="1760646"/>
+            <a:ext cx="2304256" cy="2216196"/>
+          </a:xfrm>
+          <a:prstGeom prst="rect">
+            <a:avLst/>
+          </a:prstGeom>
+          <a:noFill/>
+          <a:ln>
+            <a:noFill/>
+          </a:ln>
+          <a:extLst>
+            <a:ext uri="{909E8E84-426E-40DD-AFC4-6F175D3DCCD1}">
+              <a14:hiddenFill xmlns:a14="http://schemas.microsoft.com/office/drawing/2010/main">
+                <a:solidFill>
+                  <a:schemeClr val="accent1"/>
+                </a:solidFill>
+              </a14:hiddenFill>
+            </a:ext>
+            <a:ext uri="{91240B29-F687-4F45-9708-019B960494DF}">
+              <a14:hiddenLine xmlns:a14="http://schemas.microsoft.com/office/drawing/2010/main" w="9525">
+                <a:solidFill>
+                  <a:schemeClr val="tx1"/>
+                </a:solidFill>
+                <a:miter lim="800000"/>
+                <a:headEnd/>
+                <a:tailEnd/>
+              </a14:hiddenLine>
+            </a:ext>
+          </a:extLst>
+        </p:spPr>
+      </p:pic>
+      <p:pic>
+        <p:nvPicPr>
+          <p:cNvPr id="10245" name="Picture 5"/>
+          <p:cNvPicPr>
+            <a:picLocks noChangeAspect="1" noChangeArrowheads="1"/>
+          </p:cNvPicPr>
+          <p:nvPr/>
+        </p:nvPicPr>
+        <p:blipFill>
+          <a:blip r:embed="rId4" cstate="print">
+            <a:extLst>
+              <a:ext uri="{28A0092B-C50C-407E-A947-70E740481C1C}">
+                <a14:useLocalDpi xmlns:a14="http://schemas.microsoft.com/office/drawing/2010/main" val="0"/>
+              </a:ext>
+            </a:extLst>
+          </a:blip>
+          <a:srcRect/>
+          <a:stretch>
+            <a:fillRect/>
+          </a:stretch>
+        </p:blipFill>
+        <p:spPr bwMode="auto">
+          <a:xfrm>
+            <a:off x="940549" y="4272122"/>
+            <a:ext cx="3017912" cy="2263434"/>
+          </a:xfrm>
+          <a:prstGeom prst="rect">
+            <a:avLst/>
+          </a:prstGeom>
+          <a:noFill/>
+          <a:ln>
+            <a:noFill/>
+          </a:ln>
+          <a:extLst>
+            <a:ext uri="{909E8E84-426E-40DD-AFC4-6F175D3DCCD1}">
+              <a14:hiddenFill xmlns:a14="http://schemas.microsoft.com/office/drawing/2010/main">
+                <a:solidFill>
+                  <a:schemeClr val="accent1"/>
+                </a:solidFill>
+              </a14:hiddenFill>
+            </a:ext>
+            <a:ext uri="{91240B29-F687-4F45-9708-019B960494DF}">
+              <a14:hiddenLine xmlns:a14="http://schemas.microsoft.com/office/drawing/2010/main" w="9525">
+                <a:solidFill>
+                  <a:schemeClr val="tx1"/>
+                </a:solidFill>
+                <a:miter lim="800000"/>
+                <a:headEnd/>
+                <a:tailEnd/>
+              </a14:hiddenLine>
+            </a:ext>
+          </a:extLst>
+        </p:spPr>
+      </p:pic>
+      <p:pic>
+        <p:nvPicPr>
+          <p:cNvPr id="10246" name="Picture 6"/>
+          <p:cNvPicPr>
+            <a:picLocks noChangeAspect="1" noChangeArrowheads="1"/>
+          </p:cNvPicPr>
+          <p:nvPr/>
+        </p:nvPicPr>
+        <p:blipFill rotWithShape="1">
+          <a:blip r:embed="rId5" cstate="print">
+            <a:extLst>
+              <a:ext uri="{28A0092B-C50C-407E-A947-70E740481C1C}">
+                <a14:useLocalDpi xmlns:a14="http://schemas.microsoft.com/office/drawing/2010/main" val="0"/>
+              </a:ext>
+            </a:extLst>
+          </a:blip>
+          <a:srcRect l="15225" t="7148" r="15792" b="22539"/>
+          <a:stretch/>
+        </p:blipFill>
+        <p:spPr bwMode="auto">
+          <a:xfrm>
+            <a:off x="5364088" y="4480452"/>
+            <a:ext cx="2016224" cy="2055104"/>
+          </a:xfrm>
+          <a:prstGeom prst="rect">
+            <a:avLst/>
+          </a:prstGeom>
+          <a:noFill/>
+          <a:ln>
+            <a:noFill/>
+          </a:ln>
+          <a:extLst>
+            <a:ext uri="{909E8E84-426E-40DD-AFC4-6F175D3DCCD1}">
+              <a14:hiddenFill xmlns:a14="http://schemas.microsoft.com/office/drawing/2010/main">
+                <a:solidFill>
+                  <a:schemeClr val="accent1"/>
+                </a:solidFill>
+              </a14:hiddenFill>
+            </a:ext>
+            <a:ext uri="{91240B29-F687-4F45-9708-019B960494DF}">
+              <a14:hiddenLine xmlns:a14="http://schemas.microsoft.com/office/drawing/2010/main" w="9525">
+                <a:solidFill>
+                  <a:schemeClr val="tx1"/>
+                </a:solidFill>
+                <a:miter lim="800000"/>
+                <a:headEnd/>
+                <a:tailEnd/>
+              </a14:hiddenLine>
+            </a:ext>
+          </a:extLst>
         </p:spPr>
       </p:pic>
     </p:spTree>
     <p:extLst>
       <p:ext uri="{BB962C8B-B14F-4D97-AF65-F5344CB8AC3E}">
-        <p14:creationId xmlns:p14="http://schemas.microsoft.com/office/powerpoint/2010/main" val="641159412"/>
+        <p14:creationId xmlns:p14="http://schemas.microsoft.com/office/powerpoint/2010/main" val="2010515193"/>
       </p:ext>
     </p:extLst>
   </p:cSld>
@@ -3449,7 +3649,7 @@
           <a:p>
             <a:r>
               <a:rPr lang="en-GB" dirty="0" smtClean="0"/>
-              <a:t>Newsletter</a:t>
+              <a:t>Member/Participant</a:t>
             </a:r>
             <a:endParaRPr lang="sk-SK" dirty="0"/>
           </a:p>
@@ -3472,19 +3672,34 @@
           <a:p>
             <a:r>
               <a:rPr lang="en-GB" dirty="0" smtClean="0"/>
-              <a:t>Collect list of lecturers who want a fee or advertisement</a:t>
+              <a:t>Store info about new member</a:t>
             </a:r>
           </a:p>
           <a:p>
             <a:r>
               <a:rPr lang="en-GB" dirty="0" smtClean="0"/>
-              <a:t>Collect list of finalized events</a:t>
-            </a:r>
+              <a:t>Generate list of emails of members who have not paid</a:t>
+            </a:r>
+          </a:p>
+          <a:p>
+            <a:r>
+              <a:rPr lang="en-US" dirty="0" smtClean="0"/>
+              <a:t>Count the </a:t>
+            </a:r>
+            <a:r>
+              <a:rPr lang="en-US" dirty="0"/>
+              <a:t>price for members, having considered the discount for </a:t>
+            </a:r>
+            <a:r>
+              <a:rPr lang="en-US" dirty="0" smtClean="0"/>
+              <a:t>events</a:t>
+            </a:r>
+            <a:endParaRPr lang="en-GB" dirty="0" smtClean="0"/>
           </a:p>
           <a:p>
             <a:r>
               <a:rPr lang="en-GB" dirty="0" smtClean="0"/>
-              <a:t>Generate newsletter</a:t>
+              <a:t>Sign up member/participant to an event</a:t>
             </a:r>
             <a:endParaRPr lang="sk-SK" dirty="0"/>
           </a:p>
@@ -3493,7 +3708,7 @@
     </p:spTree>
     <p:extLst>
       <p:ext uri="{BB962C8B-B14F-4D97-AF65-F5344CB8AC3E}">
-        <p14:creationId xmlns:p14="http://schemas.microsoft.com/office/powerpoint/2010/main" val="2477443509"/>
+        <p14:creationId xmlns:p14="http://schemas.microsoft.com/office/powerpoint/2010/main" val="1662673426"/>
       </p:ext>
     </p:extLst>
   </p:cSld>
@@ -3567,7 +3782,7 @@
       </p:sp>
       <p:pic>
         <p:nvPicPr>
-          <p:cNvPr id="4" name="image6.png"/>
+          <p:cNvPr id="5" name="image16.png"/>
           <p:cNvPicPr/>
           <p:nvPr/>
         </p:nvPicPr>
@@ -3580,8 +3795,8 @@
         </p:blipFill>
         <p:spPr>
           <a:xfrm>
-            <a:off x="1763688" y="548680"/>
-            <a:ext cx="5904655" cy="5688631"/>
+            <a:off x="539552" y="116632"/>
+            <a:ext cx="8064896" cy="6624736"/>
           </a:xfrm>
           <a:prstGeom prst="rect">
             <a:avLst/>
@@ -3592,7 +3807,7 @@
     </p:spTree>
     <p:extLst>
       <p:ext uri="{BB962C8B-B14F-4D97-AF65-F5344CB8AC3E}">
-        <p14:creationId xmlns:p14="http://schemas.microsoft.com/office/powerpoint/2010/main" val="3934456606"/>
+        <p14:creationId xmlns:p14="http://schemas.microsoft.com/office/powerpoint/2010/main" val="326808985"/>
       </p:ext>
     </p:extLst>
   </p:cSld>
@@ -3643,7 +3858,7 @@
           <a:p>
             <a:r>
               <a:rPr lang="en-GB" dirty="0" smtClean="0"/>
-              <a:t>Non-functional requirements</a:t>
+              <a:t>Lecturer</a:t>
             </a:r>
             <a:endParaRPr lang="sk-SK" dirty="0"/>
           </a:p>
@@ -3663,15 +3878,607 @@
         <p:txBody>
           <a:bodyPr/>
           <a:lstStyle/>
+          <a:p>
+            <a:r>
+              <a:rPr lang="en-GB" dirty="0" smtClean="0"/>
+              <a:t>Store info about new lecturer</a:t>
+            </a:r>
+          </a:p>
+          <a:p>
+            <a:r>
+              <a:rPr lang="en-GB" dirty="0" smtClean="0"/>
+              <a:t>Search for lecturers of given category</a:t>
+            </a:r>
+            <a:endParaRPr lang="sk-SK" dirty="0"/>
+          </a:p>
+        </p:txBody>
+      </p:sp>
+    </p:spTree>
+    <p:extLst>
+      <p:ext uri="{BB962C8B-B14F-4D97-AF65-F5344CB8AC3E}">
+        <p14:creationId xmlns:p14="http://schemas.microsoft.com/office/powerpoint/2010/main" val="2148162219"/>
+      </p:ext>
+    </p:extLst>
+  </p:cSld>
+  <p:clrMapOvr>
+    <a:masterClrMapping/>
+  </p:clrMapOvr>
+  <p:timing>
+    <p:tnLst>
+      <p:par>
+        <p:cTn id="1" dur="indefinite" restart="never" nodeType="tmRoot"/>
+      </p:par>
+    </p:tnLst>
+  </p:timing>
+</p:sld>
+</file>
+
+<file path=ppt/slides/slide15.xml><?xml version="1.0" encoding="utf-8"?>
+<p:sld xmlns:a="http://schemas.openxmlformats.org/drawingml/2006/main" xmlns:r="http://schemas.openxmlformats.org/officeDocument/2006/relationships" xmlns:p="http://schemas.openxmlformats.org/presentationml/2006/main">
+  <p:cSld>
+    <p:spTree>
+      <p:nvGrpSpPr>
+        <p:cNvPr id="1" name=""/>
+        <p:cNvGrpSpPr/>
+        <p:nvPr/>
+      </p:nvGrpSpPr>
+      <p:grpSpPr>
+        <a:xfrm>
+          <a:off x="0" y="0"/>
+          <a:ext cx="0" cy="0"/>
+          <a:chOff x="0" y="0"/>
+          <a:chExt cx="0" cy="0"/>
+        </a:xfrm>
+      </p:grpSpPr>
+      <p:sp>
+        <p:nvSpPr>
+          <p:cNvPr id="2" name="Nadpis 1"/>
+          <p:cNvSpPr>
+            <a:spLocks noGrp="1"/>
+          </p:cNvSpPr>
+          <p:nvPr>
+            <p:ph type="title"/>
+          </p:nvPr>
+        </p:nvSpPr>
+        <p:spPr/>
+        <p:txBody>
+          <a:bodyPr/>
+          <a:lstStyle/>
+          <a:p>
+            <a:endParaRPr lang="sk-SK"/>
+          </a:p>
+        </p:txBody>
+      </p:sp>
+      <p:sp>
+        <p:nvSpPr>
+          <p:cNvPr id="3" name="Zástupný symbol obsahu 2"/>
+          <p:cNvSpPr>
+            <a:spLocks noGrp="1"/>
+          </p:cNvSpPr>
+          <p:nvPr>
+            <p:ph idx="1"/>
+          </p:nvPr>
+        </p:nvSpPr>
+        <p:spPr/>
+        <p:txBody>
+          <a:bodyPr/>
+          <a:lstStyle/>
+          <a:p>
+            <a:endParaRPr lang="sk-SK"/>
+          </a:p>
+        </p:txBody>
+      </p:sp>
+      <p:pic>
+        <p:nvPicPr>
+          <p:cNvPr id="4" name="image15.png"/>
+          <p:cNvPicPr/>
+          <p:nvPr/>
+        </p:nvPicPr>
+        <p:blipFill>
+          <a:blip r:embed="rId2"/>
+          <a:srcRect/>
+          <a:stretch>
+            <a:fillRect/>
+          </a:stretch>
+        </p:blipFill>
+        <p:spPr>
+          <a:xfrm>
+            <a:off x="683568" y="116632"/>
+            <a:ext cx="7632848" cy="6624736"/>
+          </a:xfrm>
+          <a:prstGeom prst="rect">
+            <a:avLst/>
+          </a:prstGeom>
+          <a:ln w="12700">
+            <a:solidFill>
+              <a:schemeClr val="tx1"/>
+            </a:solidFill>
+          </a:ln>
+        </p:spPr>
+      </p:pic>
+    </p:spTree>
+    <p:extLst>
+      <p:ext uri="{BB962C8B-B14F-4D97-AF65-F5344CB8AC3E}">
+        <p14:creationId xmlns:p14="http://schemas.microsoft.com/office/powerpoint/2010/main" val="984753232"/>
+      </p:ext>
+    </p:extLst>
+  </p:cSld>
+  <p:clrMapOvr>
+    <a:masterClrMapping/>
+  </p:clrMapOvr>
+  <p:timing>
+    <p:tnLst>
+      <p:par>
+        <p:cTn id="1" dur="indefinite" restart="never" nodeType="tmRoot"/>
+      </p:par>
+    </p:tnLst>
+  </p:timing>
+</p:sld>
+</file>
+
+<file path=ppt/slides/slide16.xml><?xml version="1.0" encoding="utf-8"?>
+<p:sld xmlns:a="http://schemas.openxmlformats.org/drawingml/2006/main" xmlns:r="http://schemas.openxmlformats.org/officeDocument/2006/relationships" xmlns:p="http://schemas.openxmlformats.org/presentationml/2006/main">
+  <p:cSld>
+    <p:spTree>
+      <p:nvGrpSpPr>
+        <p:cNvPr id="1" name=""/>
+        <p:cNvGrpSpPr/>
+        <p:nvPr/>
+      </p:nvGrpSpPr>
+      <p:grpSpPr>
+        <a:xfrm>
+          <a:off x="0" y="0"/>
+          <a:ext cx="0" cy="0"/>
+          <a:chOff x="0" y="0"/>
+          <a:chExt cx="0" cy="0"/>
+        </a:xfrm>
+      </p:grpSpPr>
+      <p:sp>
+        <p:nvSpPr>
+          <p:cNvPr id="2" name="Nadpis 1"/>
+          <p:cNvSpPr>
+            <a:spLocks noGrp="1"/>
+          </p:cNvSpPr>
+          <p:nvPr>
+            <p:ph type="title"/>
+          </p:nvPr>
+        </p:nvSpPr>
+        <p:spPr/>
+        <p:txBody>
+          <a:bodyPr/>
+          <a:lstStyle/>
+          <a:p>
+            <a:r>
+              <a:rPr lang="en-GB" dirty="0" smtClean="0"/>
+              <a:t>Event</a:t>
+            </a:r>
+            <a:endParaRPr lang="sk-SK" dirty="0"/>
+          </a:p>
+        </p:txBody>
+      </p:sp>
+      <p:sp>
+        <p:nvSpPr>
+          <p:cNvPr id="3" name="Zástupný symbol obsahu 2"/>
+          <p:cNvSpPr>
+            <a:spLocks noGrp="1"/>
+          </p:cNvSpPr>
+          <p:nvPr>
+            <p:ph idx="1"/>
+          </p:nvPr>
+        </p:nvSpPr>
+        <p:spPr/>
+        <p:txBody>
+          <a:bodyPr/>
+          <a:lstStyle/>
+          <a:p>
+            <a:r>
+              <a:rPr lang="en-GB" dirty="0" smtClean="0"/>
+              <a:t>Plan and modify event</a:t>
+            </a:r>
+          </a:p>
+          <a:p>
+            <a:r>
+              <a:rPr lang="en-GB" dirty="0" smtClean="0"/>
+              <a:t>Search for not finalized events</a:t>
+            </a:r>
+          </a:p>
+          <a:p>
+            <a:r>
+              <a:rPr lang="en-GB" dirty="0" smtClean="0"/>
+              <a:t>Return the amount of available places for every event</a:t>
+            </a:r>
+          </a:p>
+        </p:txBody>
+      </p:sp>
+    </p:spTree>
+    <p:extLst>
+      <p:ext uri="{BB962C8B-B14F-4D97-AF65-F5344CB8AC3E}">
+        <p14:creationId xmlns:p14="http://schemas.microsoft.com/office/powerpoint/2010/main" val="3290654635"/>
+      </p:ext>
+    </p:extLst>
+  </p:cSld>
+  <p:clrMapOvr>
+    <a:masterClrMapping/>
+  </p:clrMapOvr>
+  <p:timing>
+    <p:tnLst>
+      <p:par>
+        <p:cTn id="1" dur="indefinite" restart="never" nodeType="tmRoot"/>
+      </p:par>
+    </p:tnLst>
+  </p:timing>
+</p:sld>
+</file>
+
+<file path=ppt/slides/slide17.xml><?xml version="1.0" encoding="utf-8"?>
+<p:sld xmlns:a="http://schemas.openxmlformats.org/drawingml/2006/main" xmlns:r="http://schemas.openxmlformats.org/officeDocument/2006/relationships" xmlns:p="http://schemas.openxmlformats.org/presentationml/2006/main">
+  <p:cSld>
+    <p:spTree>
+      <p:nvGrpSpPr>
+        <p:cNvPr id="1" name=""/>
+        <p:cNvGrpSpPr/>
+        <p:nvPr/>
+      </p:nvGrpSpPr>
+      <p:grpSpPr>
+        <a:xfrm>
+          <a:off x="0" y="0"/>
+          <a:ext cx="0" cy="0"/>
+          <a:chOff x="0" y="0"/>
+          <a:chExt cx="0" cy="0"/>
+        </a:xfrm>
+      </p:grpSpPr>
+      <p:sp>
+        <p:nvSpPr>
+          <p:cNvPr id="2" name="Nadpis 1"/>
+          <p:cNvSpPr>
+            <a:spLocks noGrp="1"/>
+          </p:cNvSpPr>
+          <p:nvPr>
+            <p:ph type="title"/>
+          </p:nvPr>
+        </p:nvSpPr>
+        <p:spPr/>
+        <p:txBody>
+          <a:bodyPr/>
+          <a:lstStyle/>
+          <a:p>
+            <a:endParaRPr lang="sk-SK"/>
+          </a:p>
+        </p:txBody>
+      </p:sp>
+      <p:sp>
+        <p:nvSpPr>
+          <p:cNvPr id="3" name="Zástupný symbol obsahu 2"/>
+          <p:cNvSpPr>
+            <a:spLocks noGrp="1"/>
+          </p:cNvSpPr>
+          <p:nvPr>
+            <p:ph idx="1"/>
+          </p:nvPr>
+        </p:nvSpPr>
+        <p:spPr/>
+        <p:txBody>
+          <a:bodyPr/>
+          <a:lstStyle/>
+          <a:p>
+            <a:endParaRPr lang="sk-SK"/>
+          </a:p>
+        </p:txBody>
+      </p:sp>
+      <p:pic>
+        <p:nvPicPr>
+          <p:cNvPr id="4" name="image12.png"/>
+          <p:cNvPicPr/>
+          <p:nvPr/>
+        </p:nvPicPr>
+        <p:blipFill>
+          <a:blip r:embed="rId2"/>
+          <a:srcRect/>
+          <a:stretch>
+            <a:fillRect/>
+          </a:stretch>
+        </p:blipFill>
+        <p:spPr>
+          <a:xfrm>
+            <a:off x="899592" y="116632"/>
+            <a:ext cx="7272808" cy="6624735"/>
+          </a:xfrm>
+          <a:prstGeom prst="rect">
+            <a:avLst/>
+          </a:prstGeom>
+          <a:ln w="12700">
+            <a:solidFill>
+              <a:schemeClr val="tx1"/>
+            </a:solidFill>
+          </a:ln>
+        </p:spPr>
+      </p:pic>
+    </p:spTree>
+    <p:extLst>
+      <p:ext uri="{BB962C8B-B14F-4D97-AF65-F5344CB8AC3E}">
+        <p14:creationId xmlns:p14="http://schemas.microsoft.com/office/powerpoint/2010/main" val="641159412"/>
+      </p:ext>
+    </p:extLst>
+  </p:cSld>
+  <p:clrMapOvr>
+    <a:masterClrMapping/>
+  </p:clrMapOvr>
+  <p:timing>
+    <p:tnLst>
+      <p:par>
+        <p:cTn id="1" dur="indefinite" restart="never" nodeType="tmRoot"/>
+      </p:par>
+    </p:tnLst>
+  </p:timing>
+</p:sld>
+</file>
+
+<file path=ppt/slides/slide18.xml><?xml version="1.0" encoding="utf-8"?>
+<p:sld xmlns:a="http://schemas.openxmlformats.org/drawingml/2006/main" xmlns:r="http://schemas.openxmlformats.org/officeDocument/2006/relationships" xmlns:p="http://schemas.openxmlformats.org/presentationml/2006/main">
+  <p:cSld>
+    <p:spTree>
+      <p:nvGrpSpPr>
+        <p:cNvPr id="1" name=""/>
+        <p:cNvGrpSpPr/>
+        <p:nvPr/>
+      </p:nvGrpSpPr>
+      <p:grpSpPr>
+        <a:xfrm>
+          <a:off x="0" y="0"/>
+          <a:ext cx="0" cy="0"/>
+          <a:chOff x="0" y="0"/>
+          <a:chExt cx="0" cy="0"/>
+        </a:xfrm>
+      </p:grpSpPr>
+      <p:sp>
+        <p:nvSpPr>
+          <p:cNvPr id="2" name="Nadpis 1"/>
+          <p:cNvSpPr>
+            <a:spLocks noGrp="1"/>
+          </p:cNvSpPr>
+          <p:nvPr>
+            <p:ph type="title"/>
+          </p:nvPr>
+        </p:nvSpPr>
+        <p:spPr/>
+        <p:txBody>
+          <a:bodyPr/>
+          <a:lstStyle/>
+          <a:p>
+            <a:r>
+              <a:rPr lang="en-GB" dirty="0" smtClean="0"/>
+              <a:t>Newsletter</a:t>
+            </a:r>
+            <a:endParaRPr lang="sk-SK" dirty="0"/>
+          </a:p>
+        </p:txBody>
+      </p:sp>
+      <p:sp>
+        <p:nvSpPr>
+          <p:cNvPr id="3" name="Zástupný symbol obsahu 2"/>
+          <p:cNvSpPr>
+            <a:spLocks noGrp="1"/>
+          </p:cNvSpPr>
+          <p:nvPr>
+            <p:ph idx="1"/>
+          </p:nvPr>
+        </p:nvSpPr>
+        <p:spPr/>
+        <p:txBody>
+          <a:bodyPr/>
+          <a:lstStyle/>
+          <a:p>
+            <a:r>
+              <a:rPr lang="en-GB" dirty="0" smtClean="0"/>
+              <a:t>Collect list of lecturers who want a fee or advertisement</a:t>
+            </a:r>
+          </a:p>
+          <a:p>
+            <a:r>
+              <a:rPr lang="en-GB" dirty="0" smtClean="0"/>
+              <a:t>Collect list of finalized events</a:t>
+            </a:r>
+          </a:p>
+          <a:p>
+            <a:r>
+              <a:rPr lang="en-GB" dirty="0" smtClean="0"/>
+              <a:t>Generate newsletter</a:t>
+            </a:r>
+            <a:endParaRPr lang="sk-SK" dirty="0"/>
+          </a:p>
+        </p:txBody>
+      </p:sp>
+    </p:spTree>
+    <p:extLst>
+      <p:ext uri="{BB962C8B-B14F-4D97-AF65-F5344CB8AC3E}">
+        <p14:creationId xmlns:p14="http://schemas.microsoft.com/office/powerpoint/2010/main" val="2477443509"/>
+      </p:ext>
+    </p:extLst>
+  </p:cSld>
+  <p:clrMapOvr>
+    <a:masterClrMapping/>
+  </p:clrMapOvr>
+  <p:timing>
+    <p:tnLst>
+      <p:par>
+        <p:cTn id="1" dur="indefinite" restart="never" nodeType="tmRoot"/>
+      </p:par>
+    </p:tnLst>
+  </p:timing>
+</p:sld>
+</file>
+
+<file path=ppt/slides/slide19.xml><?xml version="1.0" encoding="utf-8"?>
+<p:sld xmlns:a="http://schemas.openxmlformats.org/drawingml/2006/main" xmlns:r="http://schemas.openxmlformats.org/officeDocument/2006/relationships" xmlns:p="http://schemas.openxmlformats.org/presentationml/2006/main">
+  <p:cSld>
+    <p:spTree>
+      <p:nvGrpSpPr>
+        <p:cNvPr id="1" name=""/>
+        <p:cNvGrpSpPr/>
+        <p:nvPr/>
+      </p:nvGrpSpPr>
+      <p:grpSpPr>
+        <a:xfrm>
+          <a:off x="0" y="0"/>
+          <a:ext cx="0" cy="0"/>
+          <a:chOff x="0" y="0"/>
+          <a:chExt cx="0" cy="0"/>
+        </a:xfrm>
+      </p:grpSpPr>
+      <p:sp>
+        <p:nvSpPr>
+          <p:cNvPr id="2" name="Nadpis 1"/>
+          <p:cNvSpPr>
+            <a:spLocks noGrp="1"/>
+          </p:cNvSpPr>
+          <p:nvPr>
+            <p:ph type="title"/>
+          </p:nvPr>
+        </p:nvSpPr>
+        <p:spPr/>
+        <p:txBody>
+          <a:bodyPr/>
+          <a:lstStyle/>
+          <a:p>
+            <a:endParaRPr lang="sk-SK"/>
+          </a:p>
+        </p:txBody>
+      </p:sp>
+      <p:sp>
+        <p:nvSpPr>
+          <p:cNvPr id="3" name="Zástupný symbol obsahu 2"/>
+          <p:cNvSpPr>
+            <a:spLocks noGrp="1"/>
+          </p:cNvSpPr>
+          <p:nvPr>
+            <p:ph idx="1"/>
+          </p:nvPr>
+        </p:nvSpPr>
+        <p:spPr/>
+        <p:txBody>
+          <a:bodyPr/>
+          <a:lstStyle/>
+          <a:p>
+            <a:endParaRPr lang="sk-SK"/>
+          </a:p>
+        </p:txBody>
+      </p:sp>
+      <p:pic>
+        <p:nvPicPr>
+          <p:cNvPr id="4" name="image6.png"/>
+          <p:cNvPicPr/>
+          <p:nvPr/>
+        </p:nvPicPr>
+        <p:blipFill>
+          <a:blip r:embed="rId2"/>
+          <a:srcRect/>
+          <a:stretch>
+            <a:fillRect/>
+          </a:stretch>
+        </p:blipFill>
+        <p:spPr>
+          <a:xfrm>
+            <a:off x="827584" y="116632"/>
+            <a:ext cx="7416823" cy="6624735"/>
+          </a:xfrm>
+          <a:prstGeom prst="rect">
+            <a:avLst/>
+          </a:prstGeom>
+          <a:ln/>
+        </p:spPr>
+      </p:pic>
+    </p:spTree>
+    <p:extLst>
+      <p:ext uri="{BB962C8B-B14F-4D97-AF65-F5344CB8AC3E}">
+        <p14:creationId xmlns:p14="http://schemas.microsoft.com/office/powerpoint/2010/main" val="3934456606"/>
+      </p:ext>
+    </p:extLst>
+  </p:cSld>
+  <p:clrMapOvr>
+    <a:masterClrMapping/>
+  </p:clrMapOvr>
+  <p:timing>
+    <p:tnLst>
+      <p:par>
+        <p:cTn id="1" dur="indefinite" restart="never" nodeType="tmRoot"/>
+      </p:par>
+    </p:tnLst>
+  </p:timing>
+</p:sld>
+</file>
+
+<file path=ppt/slides/slide2.xml><?xml version="1.0" encoding="utf-8"?>
+<p:sld xmlns:a="http://schemas.openxmlformats.org/drawingml/2006/main" xmlns:r="http://schemas.openxmlformats.org/officeDocument/2006/relationships" xmlns:p="http://schemas.openxmlformats.org/presentationml/2006/main">
+  <p:cSld>
+    <p:spTree>
+      <p:nvGrpSpPr>
+        <p:cNvPr id="1" name=""/>
+        <p:cNvGrpSpPr/>
+        <p:nvPr/>
+      </p:nvGrpSpPr>
+      <p:grpSpPr>
+        <a:xfrm>
+          <a:off x="0" y="0"/>
+          <a:ext cx="0" cy="0"/>
+          <a:chOff x="0" y="0"/>
+          <a:chExt cx="0" cy="0"/>
+        </a:xfrm>
+      </p:grpSpPr>
+      <p:sp>
+        <p:nvSpPr>
+          <p:cNvPr id="2" name="Nadpis 1"/>
+          <p:cNvSpPr>
+            <a:spLocks noGrp="1"/>
+          </p:cNvSpPr>
+          <p:nvPr>
+            <p:ph type="title"/>
+          </p:nvPr>
+        </p:nvSpPr>
+        <p:spPr/>
+        <p:txBody>
+          <a:bodyPr/>
+          <a:lstStyle/>
+          <a:p>
+            <a:r>
+              <a:rPr lang="en-GB" dirty="0" smtClean="0"/>
+              <a:t>Problem </a:t>
+            </a:r>
+            <a:r>
+              <a:rPr lang="en-GB" dirty="0" smtClean="0"/>
+              <a:t>statement</a:t>
+            </a:r>
+            <a:endParaRPr lang="sk-SK" dirty="0"/>
+          </a:p>
+        </p:txBody>
+      </p:sp>
+      <p:sp>
+        <p:nvSpPr>
+          <p:cNvPr id="3" name="Zástupný symbol obsahu 2"/>
+          <p:cNvSpPr>
+            <a:spLocks noGrp="1"/>
+          </p:cNvSpPr>
+          <p:nvPr>
+            <p:ph idx="1"/>
+          </p:nvPr>
+        </p:nvSpPr>
+        <p:spPr>
+          <a:xfrm>
+            <a:off x="457200" y="1600200"/>
+            <a:ext cx="4546848" cy="4525963"/>
+          </a:xfrm>
+        </p:spPr>
+        <p:txBody>
+          <a:bodyPr/>
+          <a:lstStyle/>
+          <a:p>
+            <a:endParaRPr lang="sk-SK" dirty="0"/>
+          </a:p>
           <a:p>
             <a:pPr marL="514350" indent="-514350">
               <a:buFont typeface="+mj-lt"/>
               <a:buAutoNum type="arabicPeriod"/>
             </a:pPr>
-            <a:r>
-              <a:rPr lang="en-US" dirty="0"/>
-              <a:t>The system must be implemented in Java</a:t>
-            </a:r>
+            <a:endParaRPr lang="en-US" dirty="0" smtClean="0"/>
           </a:p>
           <a:p>
             <a:pPr marL="514350" indent="-514350">
@@ -3680,32 +4487,193 @@
             </a:pPr>
             <a:r>
               <a:rPr lang="en-US" dirty="0" smtClean="0"/>
-              <a:t>Secondary </a:t>
+              <a:t>How </a:t>
             </a:r>
             <a:r>
               <a:rPr lang="en-US" dirty="0"/>
-              <a:t>storage needs to be done with </a:t>
-            </a:r>
-            <a:r>
-              <a:rPr lang="en-US" dirty="0" smtClean="0"/>
-              <a:t>files (Event/Lecturer/</a:t>
-            </a:r>
-            <a:r>
-              <a:rPr lang="en-US" dirty="0" err="1" smtClean="0"/>
-              <a:t>Memberlists</a:t>
-            </a:r>
-            <a:r>
-              <a:rPr lang="en-US" dirty="0" smtClean="0"/>
-              <a:t>, newsletter)</a:t>
-            </a:r>
-            <a:endParaRPr lang="en-US" dirty="0"/>
-          </a:p>
+              <a:t>to store data about events, members and lecturers? </a:t>
+            </a:r>
+          </a:p>
+        </p:txBody>
+      </p:sp>
+      <p:pic>
+        <p:nvPicPr>
+          <p:cNvPr id="1027" name="Picture 3"/>
+          <p:cNvPicPr>
+            <a:picLocks noChangeAspect="1" noChangeArrowheads="1"/>
+          </p:cNvPicPr>
+          <p:nvPr/>
+        </p:nvPicPr>
+        <p:blipFill>
+          <a:blip r:embed="rId2">
+            <a:extLst>
+              <a:ext uri="{28A0092B-C50C-407E-A947-70E740481C1C}">
+                <a14:useLocalDpi xmlns:a14="http://schemas.microsoft.com/office/drawing/2010/main" val="0"/>
+              </a:ext>
+            </a:extLst>
+          </a:blip>
+          <a:srcRect/>
+          <a:stretch>
+            <a:fillRect/>
+          </a:stretch>
+        </p:blipFill>
+        <p:spPr bwMode="auto">
+          <a:xfrm>
+            <a:off x="4228960" y="1916832"/>
+            <a:ext cx="4320480" cy="3240360"/>
+          </a:xfrm>
+          <a:prstGeom prst="rect">
+            <a:avLst/>
+          </a:prstGeom>
+          <a:noFill/>
+          <a:ln>
+            <a:noFill/>
+          </a:ln>
+          <a:extLst>
+            <a:ext uri="{909E8E84-426E-40DD-AFC4-6F175D3DCCD1}">
+              <a14:hiddenFill xmlns:a14="http://schemas.microsoft.com/office/drawing/2010/main">
+                <a:solidFill>
+                  <a:schemeClr val="accent1"/>
+                </a:solidFill>
+              </a14:hiddenFill>
+            </a:ext>
+            <a:ext uri="{91240B29-F687-4F45-9708-019B960494DF}">
+              <a14:hiddenLine xmlns:a14="http://schemas.microsoft.com/office/drawing/2010/main" w="9525">
+                <a:solidFill>
+                  <a:schemeClr val="tx1"/>
+                </a:solidFill>
+                <a:miter lim="800000"/>
+                <a:headEnd/>
+                <a:tailEnd/>
+              </a14:hiddenLine>
+            </a:ext>
+          </a:extLst>
+        </p:spPr>
+      </p:pic>
+    </p:spTree>
+    <p:extLst>
+      <p:ext uri="{BB962C8B-B14F-4D97-AF65-F5344CB8AC3E}">
+        <p14:creationId xmlns:p14="http://schemas.microsoft.com/office/powerpoint/2010/main" val="3843813387"/>
+      </p:ext>
+    </p:extLst>
+  </p:cSld>
+  <p:clrMapOvr>
+    <a:masterClrMapping/>
+  </p:clrMapOvr>
+  <p:timing>
+    <p:tnLst>
+      <p:par>
+        <p:cTn id="1" dur="indefinite" restart="never" nodeType="tmRoot"/>
+      </p:par>
+    </p:tnLst>
+  </p:timing>
+</p:sld>
+</file>
+
+<file path=ppt/slides/slide20.xml><?xml version="1.0" encoding="utf-8"?>
+<p:sld xmlns:a="http://schemas.openxmlformats.org/drawingml/2006/main" xmlns:r="http://schemas.openxmlformats.org/officeDocument/2006/relationships" xmlns:p="http://schemas.openxmlformats.org/presentationml/2006/main">
+  <p:cSld>
+    <p:spTree>
+      <p:nvGrpSpPr>
+        <p:cNvPr id="1" name=""/>
+        <p:cNvGrpSpPr/>
+        <p:nvPr/>
+      </p:nvGrpSpPr>
+      <p:grpSpPr>
+        <a:xfrm>
+          <a:off x="0" y="0"/>
+          <a:ext cx="0" cy="0"/>
+          <a:chOff x="0" y="0"/>
+          <a:chExt cx="0" cy="0"/>
+        </a:xfrm>
+      </p:grpSpPr>
+      <p:sp>
+        <p:nvSpPr>
+          <p:cNvPr id="2" name="Nadpis 1"/>
+          <p:cNvSpPr>
+            <a:spLocks noGrp="1"/>
+          </p:cNvSpPr>
+          <p:nvPr>
+            <p:ph type="title"/>
+          </p:nvPr>
+        </p:nvSpPr>
+        <p:spPr/>
+        <p:txBody>
+          <a:bodyPr/>
+          <a:lstStyle/>
+          <a:p>
+            <a:r>
+              <a:rPr lang="en-GB" dirty="0" smtClean="0"/>
+              <a:t>Non-functional requirements</a:t>
+            </a:r>
+            <a:endParaRPr lang="sk-SK" dirty="0"/>
+          </a:p>
+        </p:txBody>
+      </p:sp>
+      <p:sp>
+        <p:nvSpPr>
+          <p:cNvPr id="3" name="Zástupný symbol obsahu 2"/>
+          <p:cNvSpPr>
+            <a:spLocks noGrp="1"/>
+          </p:cNvSpPr>
+          <p:nvPr>
+            <p:ph idx="1"/>
+          </p:nvPr>
+        </p:nvSpPr>
+        <p:spPr>
+          <a:xfrm>
+            <a:off x="457200" y="1600200"/>
+            <a:ext cx="6203032" cy="4525963"/>
+          </a:xfrm>
+        </p:spPr>
+        <p:txBody>
+          <a:bodyPr>
+            <a:normAutofit fontScale="92500" lnSpcReduction="10000"/>
+          </a:bodyPr>
+          <a:lstStyle/>
           <a:p>
             <a:pPr marL="514350" indent="-514350">
               <a:buFont typeface="+mj-lt"/>
               <a:buAutoNum type="arabicPeriod"/>
             </a:pPr>
             <a:r>
+              <a:rPr lang="en-US" dirty="0"/>
+              <a:t>The system must be implemented in Java</a:t>
+            </a:r>
+          </a:p>
+          <a:p>
+            <a:pPr marL="514350" indent="-514350">
+              <a:buFont typeface="+mj-lt"/>
+              <a:buAutoNum type="arabicPeriod"/>
+            </a:pPr>
+            <a:r>
+              <a:rPr lang="en-US" dirty="0" smtClean="0"/>
+              <a:t>Secondary </a:t>
+            </a:r>
+            <a:r>
+              <a:rPr lang="en-US" dirty="0"/>
+              <a:t>storage needs to be done with </a:t>
+            </a:r>
+            <a:r>
+              <a:rPr lang="en-US" dirty="0" smtClean="0"/>
+              <a:t>files (Event/Lecturer/</a:t>
+            </a:r>
+            <a:r>
+              <a:rPr lang="en-US" dirty="0" err="1" smtClean="0"/>
+              <a:t>Memberlists</a:t>
+            </a:r>
+            <a:r>
+              <a:rPr lang="en-US" dirty="0" smtClean="0"/>
+              <a:t>, newsletter)</a:t>
+            </a:r>
+            <a:endParaRPr lang="en-US" dirty="0"/>
+          </a:p>
+          <a:p>
+            <a:pPr marL="514350" indent="-514350">
+              <a:buFont typeface="+mj-lt"/>
+              <a:buAutoNum type="arabicPeriod"/>
+            </a:pPr>
+            <a:r>
               <a:rPr lang="en-US" dirty="0" smtClean="0"/>
               <a:t>The </a:t>
             </a:r>
@@ -3746,12 +4714,145 @@
               <a:t>calendar</a:t>
             </a:r>
             <a:r>
-              <a:rPr lang="sk-SK" dirty="0"/>
+              <a:rPr lang="sk-SK" dirty="0" smtClean="0"/>
               <a:t>).</a:t>
             </a:r>
-          </a:p>
-        </p:txBody>
-      </p:sp>
+            <a:endParaRPr lang="sk-SK" dirty="0"/>
+          </a:p>
+        </p:txBody>
+      </p:sp>
+      <p:pic>
+        <p:nvPicPr>
+          <p:cNvPr id="11267" name="Picture 3" descr="C:\Users\Acer Matej\Downloads\source-api.png"/>
+          <p:cNvPicPr>
+            <a:picLocks noChangeAspect="1" noChangeArrowheads="1"/>
+          </p:cNvPicPr>
+          <p:nvPr/>
+        </p:nvPicPr>
+        <p:blipFill>
+          <a:blip r:embed="rId2">
+            <a:extLst>
+              <a:ext uri="{28A0092B-C50C-407E-A947-70E740481C1C}">
+                <a14:useLocalDpi xmlns:a14="http://schemas.microsoft.com/office/drawing/2010/main" val="0"/>
+              </a:ext>
+            </a:extLst>
+          </a:blip>
+          <a:srcRect/>
+          <a:stretch>
+            <a:fillRect/>
+          </a:stretch>
+        </p:blipFill>
+        <p:spPr bwMode="auto">
+          <a:xfrm>
+            <a:off x="6804248" y="4437112"/>
+            <a:ext cx="1561728" cy="1561728"/>
+          </a:xfrm>
+          <a:prstGeom prst="rect">
+            <a:avLst/>
+          </a:prstGeom>
+          <a:noFill/>
+          <a:extLst>
+            <a:ext uri="{909E8E84-426E-40DD-AFC4-6F175D3DCCD1}">
+              <a14:hiddenFill xmlns:a14="http://schemas.microsoft.com/office/drawing/2010/main">
+                <a:solidFill>
+                  <a:srgbClr val="FFFFFF"/>
+                </a:solidFill>
+              </a14:hiddenFill>
+            </a:ext>
+          </a:extLst>
+        </p:spPr>
+      </p:pic>
+      <p:pic>
+        <p:nvPicPr>
+          <p:cNvPr id="11268" name="Picture 4"/>
+          <p:cNvPicPr>
+            <a:picLocks noChangeAspect="1" noChangeArrowheads="1"/>
+          </p:cNvPicPr>
+          <p:nvPr/>
+        </p:nvPicPr>
+        <p:blipFill rotWithShape="1">
+          <a:blip r:embed="rId3">
+            <a:extLst>
+              <a:ext uri="{28A0092B-C50C-407E-A947-70E740481C1C}">
+                <a14:useLocalDpi xmlns:a14="http://schemas.microsoft.com/office/drawing/2010/main" val="0"/>
+              </a:ext>
+            </a:extLst>
+          </a:blip>
+          <a:srcRect l="11452" r="11452" b="9488"/>
+          <a:stretch/>
+        </p:blipFill>
+        <p:spPr bwMode="auto">
+          <a:xfrm>
+            <a:off x="6914223" y="3039598"/>
+            <a:ext cx="1341777" cy="1057671"/>
+          </a:xfrm>
+          <a:prstGeom prst="rect">
+            <a:avLst/>
+          </a:prstGeom>
+          <a:noFill/>
+          <a:ln>
+            <a:noFill/>
+          </a:ln>
+          <a:extLst>
+            <a:ext uri="{909E8E84-426E-40DD-AFC4-6F175D3DCCD1}">
+              <a14:hiddenFill xmlns:a14="http://schemas.microsoft.com/office/drawing/2010/main">
+                <a:solidFill>
+                  <a:schemeClr val="accent1"/>
+                </a:solidFill>
+              </a14:hiddenFill>
+            </a:ext>
+            <a:ext uri="{91240B29-F687-4F45-9708-019B960494DF}">
+              <a14:hiddenLine xmlns:a14="http://schemas.microsoft.com/office/drawing/2010/main" w="9525">
+                <a:solidFill>
+                  <a:schemeClr val="tx1"/>
+                </a:solidFill>
+                <a:miter lim="800000"/>
+                <a:headEnd/>
+                <a:tailEnd/>
+              </a14:hiddenLine>
+            </a:ext>
+          </a:extLst>
+        </p:spPr>
+      </p:pic>
+      <p:pic>
+        <p:nvPicPr>
+          <p:cNvPr id="11270" name="Picture 6" descr="C:\Users\Acer Matej\Downloads\javareal.jpg.CROP.promo-xlarge2.jpg"/>
+          <p:cNvPicPr>
+            <a:picLocks noChangeAspect="1" noChangeArrowheads="1"/>
+          </p:cNvPicPr>
+          <p:nvPr/>
+        </p:nvPicPr>
+        <p:blipFill rotWithShape="1">
+          <a:blip r:embed="rId4" cstate="print">
+            <a:extLst>
+              <a:ext uri="{28A0092B-C50C-407E-A947-70E740481C1C}">
+                <a14:useLocalDpi xmlns:a14="http://schemas.microsoft.com/office/drawing/2010/main" val="0"/>
+              </a:ext>
+            </a:extLst>
+          </a:blip>
+          <a:srcRect l="21965" r="28150"/>
+          <a:stretch/>
+        </p:blipFill>
+        <p:spPr bwMode="auto">
+          <a:xfrm>
+            <a:off x="7104608" y="1412776"/>
+            <a:ext cx="961007" cy="1374619"/>
+          </a:xfrm>
+          <a:prstGeom prst="rect">
+            <a:avLst/>
+          </a:prstGeom>
+          <a:noFill/>
+          <a:extLst>
+            <a:ext uri="{909E8E84-426E-40DD-AFC4-6F175D3DCCD1}">
+              <a14:hiddenFill xmlns:a14="http://schemas.microsoft.com/office/drawing/2010/main">
+                <a:solidFill>
+                  <a:srgbClr val="FFFFFF"/>
+                </a:solidFill>
+              </a14:hiddenFill>
+            </a:ext>
+          </a:extLst>
+        </p:spPr>
+      </p:pic>
     </p:spTree>
     <p:extLst>
       <p:ext uri="{BB962C8B-B14F-4D97-AF65-F5344CB8AC3E}">
@@ -3772,7 +4873,7 @@
 </p:sld>
 </file>
 
-<file path=ppt/slides/slide15.xml><?xml version="1.0" encoding="utf-8"?>
+<file path=ppt/slides/slide21.xml><?xml version="1.0" encoding="utf-8"?>
 <p:sld xmlns:a="http://schemas.openxmlformats.org/drawingml/2006/main" xmlns:r="http://schemas.openxmlformats.org/officeDocument/2006/relationships" xmlns:p="http://schemas.openxmlformats.org/presentationml/2006/main">
   <p:cSld>
     <p:spTree>
@@ -3875,7 +4976,7 @@
 </p:sld>
 </file>
 
-<file path=ppt/slides/slide16.xml><?xml version="1.0" encoding="utf-8"?>
+<file path=ppt/slides/slide22.xml><?xml version="1.0" encoding="utf-8"?>
 <p:sld xmlns:a="http://schemas.openxmlformats.org/drawingml/2006/main" xmlns:r="http://schemas.openxmlformats.org/officeDocument/2006/relationships" xmlns:p="http://schemas.openxmlformats.org/presentationml/2006/main">
   <p:cSld>
     <p:spTree>
@@ -3981,6 +5082,122 @@
     </p:spTree>
     <p:extLst>
       <p:ext uri="{BB962C8B-B14F-4D97-AF65-F5344CB8AC3E}">
+        <p14:creationId xmlns:p14="http://schemas.microsoft.com/office/powerpoint/2010/main" val="3941778400"/>
+      </p:ext>
+    </p:extLst>
+  </p:cSld>
+  <p:clrMapOvr>
+    <a:masterClrMapping/>
+  </p:clrMapOvr>
+  <p:timing>
+    <p:tnLst>
+      <p:par>
+        <p:cTn id="1" dur="indefinite" restart="never" nodeType="tmRoot"/>
+      </p:par>
+    </p:tnLst>
+  </p:timing>
+</p:sld>
+</file>
+
+<file path=ppt/slides/slide23.xml><?xml version="1.0" encoding="utf-8"?>
+<p:sld xmlns:a="http://schemas.openxmlformats.org/drawingml/2006/main" xmlns:r="http://schemas.openxmlformats.org/officeDocument/2006/relationships" xmlns:p="http://schemas.openxmlformats.org/presentationml/2006/main">
+  <p:cSld>
+    <p:spTree>
+      <p:nvGrpSpPr>
+        <p:cNvPr id="1" name=""/>
+        <p:cNvGrpSpPr/>
+        <p:nvPr/>
+      </p:nvGrpSpPr>
+      <p:grpSpPr>
+        <a:xfrm>
+          <a:off x="0" y="0"/>
+          <a:ext cx="0" cy="0"/>
+          <a:chOff x="0" y="0"/>
+          <a:chExt cx="0" cy="0"/>
+        </a:xfrm>
+      </p:grpSpPr>
+      <p:sp>
+        <p:nvSpPr>
+          <p:cNvPr id="3" name="Zástupný symbol obsahu 2"/>
+          <p:cNvSpPr>
+            <a:spLocks noGrp="1"/>
+          </p:cNvSpPr>
+          <p:nvPr>
+            <p:ph idx="1"/>
+          </p:nvPr>
+        </p:nvSpPr>
+        <p:spPr/>
+        <p:txBody>
+          <a:bodyPr/>
+          <a:lstStyle/>
+          <a:p>
+            <a:endParaRPr lang="sk-SK"/>
+          </a:p>
+        </p:txBody>
+      </p:sp>
+      <p:pic>
+        <p:nvPicPr>
+          <p:cNvPr id="4" name="image21.jpg"/>
+          <p:cNvPicPr/>
+          <p:nvPr/>
+        </p:nvPicPr>
+        <p:blipFill rotWithShape="1">
+          <a:blip r:embed="rId2"/>
+          <a:srcRect b="42170"/>
+          <a:stretch/>
+        </p:blipFill>
+        <p:spPr>
+          <a:xfrm>
+            <a:off x="179512" y="0"/>
+            <a:ext cx="8712968" cy="6692716"/>
+          </a:xfrm>
+          <a:prstGeom prst="rect">
+            <a:avLst/>
+          </a:prstGeom>
+          <a:ln/>
+        </p:spPr>
+      </p:pic>
+      <p:sp>
+        <p:nvSpPr>
+          <p:cNvPr id="2" name="Nadpis 1"/>
+          <p:cNvSpPr>
+            <a:spLocks noGrp="1"/>
+          </p:cNvSpPr>
+          <p:nvPr>
+            <p:ph type="title"/>
+          </p:nvPr>
+        </p:nvSpPr>
+        <p:spPr>
+          <a:xfrm>
+            <a:off x="5292080" y="116632"/>
+            <a:ext cx="3466728" cy="1143000"/>
+          </a:xfrm>
+        </p:spPr>
+        <p:txBody>
+          <a:bodyPr>
+            <a:normAutofit/>
+          </a:bodyPr>
+          <a:lstStyle/>
+          <a:p>
+            <a:r>
+              <a:rPr lang="en-GB" sz="3200" dirty="0" smtClean="0"/>
+              <a:t>ACTIVITY </a:t>
+            </a:r>
+            <a:r>
+              <a:rPr lang="en-GB" sz="3200" dirty="0" smtClean="0"/>
+              <a:t>DIAGRAM </a:t>
+            </a:r>
+            <a:r>
+              <a:rPr lang="en-GB" sz="3200" dirty="0" smtClean="0"/>
+              <a:t>Create event</a:t>
+            </a:r>
+            <a:endParaRPr lang="sk-SK" sz="3200" dirty="0"/>
+          </a:p>
+        </p:txBody>
+      </p:sp>
+    </p:spTree>
+    <p:extLst>
+      <p:ext uri="{BB962C8B-B14F-4D97-AF65-F5344CB8AC3E}">
         <p14:creationId xmlns:p14="http://schemas.microsoft.com/office/powerpoint/2010/main" val="2263732968"/>
       </p:ext>
     </p:extLst>
@@ -3998,7 +5215,7 @@
 </p:sld>
 </file>
 
-<file path=ppt/slides/slide2.xml><?xml version="1.0" encoding="utf-8"?>
+<file path=ppt/slides/slide24.xml><?xml version="1.0" encoding="utf-8"?>
 <p:sld xmlns:a="http://schemas.openxmlformats.org/drawingml/2006/main" xmlns:r="http://schemas.openxmlformats.org/officeDocument/2006/relationships" xmlns:p="http://schemas.openxmlformats.org/presentationml/2006/main">
   <p:cSld>
     <p:spTree>
@@ -4015,90 +5232,32 @@
           <a:chExt cx="0" cy="0"/>
         </a:xfrm>
       </p:grpSpPr>
-      <p:sp>
-        <p:nvSpPr>
-          <p:cNvPr id="2" name="Nadpis 1"/>
-          <p:cNvSpPr>
-            <a:spLocks noGrp="1"/>
-          </p:cNvSpPr>
-          <p:nvPr>
-            <p:ph type="title"/>
-          </p:nvPr>
-        </p:nvSpPr>
-        <p:spPr/>
-        <p:txBody>
-          <a:bodyPr/>
-          <a:lstStyle/>
-          <a:p>
-            <a:r>
-              <a:rPr lang="en-GB" dirty="0" smtClean="0"/>
-              <a:t>Problem statement</a:t>
-            </a:r>
-            <a:endParaRPr lang="sk-SK" dirty="0"/>
-          </a:p>
-        </p:txBody>
-      </p:sp>
-      <p:sp>
-        <p:nvSpPr>
-          <p:cNvPr id="3" name="Zástupný symbol obsahu 2"/>
-          <p:cNvSpPr>
-            <a:spLocks noGrp="1"/>
-          </p:cNvSpPr>
-          <p:nvPr>
-            <p:ph idx="1"/>
-          </p:nvPr>
-        </p:nvSpPr>
-        <p:spPr/>
-        <p:txBody>
-          <a:bodyPr/>
-          <a:lstStyle/>
-          <a:p>
-            <a:endParaRPr lang="sk-SK" dirty="0"/>
-          </a:p>
-          <a:p>
-            <a:pPr marL="514350" indent="-514350">
-              <a:buFont typeface="+mj-lt"/>
-              <a:buAutoNum type="arabicPeriod"/>
-            </a:pPr>
-            <a:r>
-              <a:rPr lang="en-US" dirty="0"/>
-              <a:t>How to store data about events, members and lecturers? </a:t>
-            </a:r>
-          </a:p>
-          <a:p>
-            <a:pPr marL="514350" indent="-514350">
-              <a:buFont typeface="+mj-lt"/>
-              <a:buAutoNum type="arabicPeriod"/>
-            </a:pPr>
-            <a:r>
-              <a:rPr lang="en-US" dirty="0" smtClean="0"/>
-              <a:t>How </a:t>
-            </a:r>
-            <a:r>
-              <a:rPr lang="en-US" dirty="0"/>
-              <a:t>to find proper lecturers for events? </a:t>
-            </a:r>
-          </a:p>
-          <a:p>
-            <a:pPr marL="514350" indent="-514350">
-              <a:buFont typeface="+mj-lt"/>
-              <a:buAutoNum type="arabicPeriod"/>
-            </a:pPr>
-            <a:r>
-              <a:rPr lang="en-US" dirty="0" smtClean="0"/>
-              <a:t>How </a:t>
-            </a:r>
-            <a:r>
-              <a:rPr lang="en-US" dirty="0"/>
-              <a:t>to make the system easy to extend and provide new functionalities? </a:t>
-            </a:r>
-          </a:p>
-        </p:txBody>
-      </p:sp>
+      <p:pic>
+        <p:nvPicPr>
+          <p:cNvPr id="5" name="image21.jpg"/>
+          <p:cNvPicPr/>
+          <p:nvPr/>
+        </p:nvPicPr>
+        <p:blipFill rotWithShape="1">
+          <a:blip r:embed="rId2"/>
+          <a:srcRect t="57812"/>
+          <a:stretch/>
+        </p:blipFill>
+        <p:spPr>
+          <a:xfrm>
+            <a:off x="179512" y="44624"/>
+            <a:ext cx="8682614" cy="6768752"/>
+          </a:xfrm>
+          <a:prstGeom prst="rect">
+            <a:avLst/>
+          </a:prstGeom>
+          <a:ln/>
+        </p:spPr>
+      </p:pic>
     </p:spTree>
     <p:extLst>
       <p:ext uri="{BB962C8B-B14F-4D97-AF65-F5344CB8AC3E}">
-        <p14:creationId xmlns:p14="http://schemas.microsoft.com/office/powerpoint/2010/main" val="2190492861"/>
+        <p14:creationId xmlns:p14="http://schemas.microsoft.com/office/powerpoint/2010/main" val="3985372030"/>
       </p:ext>
     </p:extLst>
   </p:cSld>
@@ -4149,7 +5308,11 @@
           <a:p>
             <a:r>
               <a:rPr lang="en-GB" dirty="0" smtClean="0"/>
-              <a:t>Delimitations</a:t>
+              <a:t>Problem </a:t>
+            </a:r>
+            <a:r>
+              <a:rPr lang="en-GB" dirty="0" smtClean="0"/>
+              <a:t>statement</a:t>
             </a:r>
             <a:endParaRPr lang="sk-SK" dirty="0"/>
           </a:p>
@@ -4165,94 +5328,108 @@
             <p:ph idx="1"/>
           </p:nvPr>
         </p:nvSpPr>
-        <p:spPr/>
-        <p:txBody>
-          <a:bodyPr>
-            <a:normAutofit fontScale="92500" lnSpcReduction="10000"/>
-          </a:bodyPr>
-          <a:lstStyle/>
+        <p:spPr>
+          <a:xfrm>
+            <a:off x="457200" y="1600200"/>
+            <a:ext cx="4546848" cy="4525963"/>
+          </a:xfrm>
+        </p:spPr>
+        <p:txBody>
+          <a:bodyPr/>
+          <a:lstStyle/>
+          <a:p>
+            <a:endParaRPr lang="sk-SK" dirty="0"/>
+          </a:p>
           <a:p>
             <a:pPr marL="514350" indent="-514350">
               <a:buFont typeface="+mj-lt"/>
               <a:buAutoNum type="arabicPeriod"/>
             </a:pPr>
-            <a:endParaRPr lang="sk-SK" dirty="0"/>
+            <a:endParaRPr lang="en-US" dirty="0" smtClean="0"/>
           </a:p>
           <a:p>
             <a:pPr marL="514350" indent="-514350">
               <a:buFont typeface="+mj-lt"/>
-              <a:buAutoNum type="arabicPeriod"/>
+              <a:buAutoNum type="arabicPeriod" startAt="2"/>
             </a:pPr>
             <a:r>
               <a:rPr lang="en-US" dirty="0"/>
-              <a:t>The system will not use database to store data. </a:t>
-            </a:r>
-          </a:p>
-          <a:p>
-            <a:pPr marL="514350" indent="-514350">
-              <a:buFont typeface="+mj-lt"/>
-              <a:buAutoNum type="arabicPeriod"/>
-            </a:pPr>
+              <a:t>How to find proper lecturers for </a:t>
+            </a:r>
             <a:r>
               <a:rPr lang="en-US" dirty="0" smtClean="0"/>
-              <a:t>Data </a:t>
+              <a:t>events</a:t>
             </a:r>
             <a:r>
               <a:rPr lang="en-US" dirty="0"/>
-              <a:t>will be provided by files, not from real users. </a:t>
-            </a:r>
-          </a:p>
-          <a:p>
-            <a:pPr marL="514350" indent="-514350">
-              <a:buFont typeface="+mj-lt"/>
-              <a:buAutoNum type="arabicPeriod"/>
-            </a:pPr>
+              <a:t> </a:t>
+            </a:r>
             <a:r>
               <a:rPr lang="en-US" dirty="0" smtClean="0"/>
-              <a:t>The </a:t>
-            </a:r>
-            <a:r>
-              <a:rPr lang="en-US" dirty="0"/>
-              <a:t>system will not be storing feedback. </a:t>
-            </a:r>
-          </a:p>
-          <a:p>
-            <a:pPr marL="514350" indent="-514350">
-              <a:buFont typeface="+mj-lt"/>
-              <a:buAutoNum type="arabicPeriod"/>
-            </a:pPr>
-            <a:r>
-              <a:rPr lang="en-US" dirty="0" smtClean="0"/>
-              <a:t>The </a:t>
-            </a:r>
-            <a:r>
-              <a:rPr lang="en-US" dirty="0"/>
-              <a:t>system will not be sending emails automatically to users. </a:t>
-            </a:r>
-          </a:p>
-          <a:p>
-            <a:pPr marL="514350" indent="-514350">
-              <a:buFont typeface="+mj-lt"/>
-              <a:buAutoNum type="arabicPeriod"/>
-            </a:pPr>
-            <a:r>
-              <a:rPr lang="en-US" dirty="0" smtClean="0"/>
-              <a:t>The </a:t>
-            </a:r>
-            <a:r>
-              <a:rPr lang="en-US" dirty="0"/>
-              <a:t>system will not look for events between a specific time period. </a:t>
-            </a:r>
-          </a:p>
-          <a:p>
-            <a:endParaRPr lang="sk-SK" dirty="0"/>
-          </a:p>
-        </p:txBody>
-      </p:sp>
+              <a:t>?</a:t>
+            </a:r>
+            <a:endParaRPr lang="en-US" dirty="0"/>
+          </a:p>
+        </p:txBody>
+      </p:sp>
+      <p:pic>
+        <p:nvPicPr>
+          <p:cNvPr id="2050" name="Picture 2"/>
+          <p:cNvPicPr>
+            <a:picLocks noChangeAspect="1" noChangeArrowheads="1"/>
+          </p:cNvPicPr>
+          <p:nvPr/>
+        </p:nvPicPr>
+        <p:blipFill>
+          <a:blip r:embed="rId2">
+            <a:extLst>
+              <a:ext uri="{28A0092B-C50C-407E-A947-70E740481C1C}">
+                <a14:useLocalDpi xmlns:a14="http://schemas.microsoft.com/office/drawing/2010/main" val="0"/>
+              </a:ext>
+            </a:extLst>
+          </a:blip>
+          <a:srcRect/>
+          <a:stretch>
+            <a:fillRect/>
+          </a:stretch>
+        </p:blipFill>
+        <p:spPr bwMode="auto">
+          <a:xfrm>
+            <a:off x="4788024" y="1905000"/>
+            <a:ext cx="3612232" cy="3612232"/>
+          </a:xfrm>
+          <a:prstGeom prst="rect">
+            <a:avLst/>
+          </a:prstGeom>
+          <a:noFill/>
+          <a:ln>
+            <a:noFill/>
+          </a:ln>
+          <a:extLst>
+            <a:ext uri="{909E8E84-426E-40DD-AFC4-6F175D3DCCD1}">
+              <a14:hiddenFill xmlns:a14="http://schemas.microsoft.com/office/drawing/2010/main">
+                <a:solidFill>
+                  <a:schemeClr val="accent1"/>
+                </a:solidFill>
+              </a14:hiddenFill>
+            </a:ext>
+            <a:ext uri="{91240B29-F687-4F45-9708-019B960494DF}">
+              <a14:hiddenLine xmlns:a14="http://schemas.microsoft.com/office/drawing/2010/main" w="9525">
+                <a:solidFill>
+                  <a:schemeClr val="tx1"/>
+                </a:solidFill>
+                <a:miter lim="800000"/>
+                <a:headEnd/>
+                <a:tailEnd/>
+              </a14:hiddenLine>
+            </a:ext>
+          </a:extLst>
+        </p:spPr>
+      </p:pic>
     </p:spTree>
     <p:extLst>
       <p:ext uri="{BB962C8B-B14F-4D97-AF65-F5344CB8AC3E}">
-        <p14:creationId xmlns:p14="http://schemas.microsoft.com/office/powerpoint/2010/main" val="2979082420"/>
+        <p14:creationId xmlns:p14="http://schemas.microsoft.com/office/powerpoint/2010/main" val="1175002512"/>
       </p:ext>
     </p:extLst>
   </p:cSld>
@@ -4303,7 +5480,11 @@
           <a:p>
             <a:r>
               <a:rPr lang="en-GB" dirty="0" smtClean="0"/>
-              <a:t>Requirements</a:t>
+              <a:t>Problem </a:t>
+            </a:r>
+            <a:r>
+              <a:rPr lang="en-GB" dirty="0" smtClean="0"/>
+              <a:t>statement</a:t>
             </a:r>
             <a:endParaRPr lang="sk-SK" dirty="0"/>
           </a:p>
@@ -4319,41 +5500,107 @@
             <p:ph idx="1"/>
           </p:nvPr>
         </p:nvSpPr>
-        <p:spPr/>
-        <p:txBody>
-          <a:bodyPr/>
-          <a:lstStyle/>
+        <p:spPr>
+          <a:xfrm>
+            <a:off x="457200" y="1600200"/>
+            <a:ext cx="4546848" cy="4525963"/>
+          </a:xfrm>
+        </p:spPr>
+        <p:txBody>
+          <a:bodyPr/>
+          <a:lstStyle/>
+          <a:p>
+            <a:endParaRPr lang="sk-SK" dirty="0"/>
+          </a:p>
           <a:p>
             <a:pPr marL="514350" indent="-514350">
               <a:buFont typeface="+mj-lt"/>
-              <a:buAutoNum type="alphaLcParenR"/>
+              <a:buAutoNum type="arabicPeriod"/>
             </a:pPr>
-            <a:r>
-              <a:rPr lang="en-GB" dirty="0" smtClean="0"/>
-              <a:t>Functional</a:t>
-            </a:r>
+            <a:endParaRPr lang="en-US" dirty="0" smtClean="0"/>
           </a:p>
           <a:p>
             <a:pPr marL="514350" indent="-514350">
               <a:buFont typeface="+mj-lt"/>
-              <a:buAutoNum type="alphaLcParenR"/>
+              <a:buAutoNum type="arabicPeriod" startAt="3"/>
             </a:pPr>
             <a:r>
-              <a:rPr lang="en-GB" dirty="0" smtClean="0"/>
-              <a:t>Non-functiona</a:t>
-            </a:r>
-            <a:r>
-              <a:rPr lang="en-GB" dirty="0"/>
-              <a:t>l</a:t>
-            </a:r>
-            <a:endParaRPr lang="sk-SK" dirty="0"/>
-          </a:p>
-        </p:txBody>
-      </p:sp>
+              <a:rPr lang="en-US" dirty="0"/>
+              <a:t>How to make the system easy to extend and provide new functionalities? </a:t>
+            </a:r>
+            <a:endParaRPr lang="en-US" dirty="0"/>
+          </a:p>
+        </p:txBody>
+      </p:sp>
+      <p:pic>
+        <p:nvPicPr>
+          <p:cNvPr id="3074" name="Picture 2"/>
+          <p:cNvPicPr>
+            <a:picLocks noChangeAspect="1" noChangeArrowheads="1"/>
+          </p:cNvPicPr>
+          <p:nvPr/>
+        </p:nvPicPr>
+        <p:blipFill>
+          <a:blip r:embed="rId2">
+            <a:extLst>
+              <a:ext uri="{BEBA8EAE-BF5A-486C-A8C5-ECC9F3942E4B}">
+                <a14:imgProps xmlns:a14="http://schemas.microsoft.com/office/drawing/2010/main">
+                  <a14:imgLayer r:embed="rId3">
+                    <a14:imgEffect>
+                      <a14:backgroundRemoval t="10000" b="90000" l="10000" r="90000">
+                        <a14:foregroundMark x1="66406" y1="24805" x2="66406" y2="24805"/>
+                      </a14:backgroundRemoval>
+                    </a14:imgEffect>
+                  </a14:imgLayer>
+                </a14:imgProps>
+              </a:ext>
+              <a:ext uri="{28A0092B-C50C-407E-A947-70E740481C1C}">
+                <a14:useLocalDpi xmlns:a14="http://schemas.microsoft.com/office/drawing/2010/main" val="0"/>
+              </a:ext>
+            </a:extLst>
+          </a:blip>
+          <a:srcRect/>
+          <a:stretch>
+            <a:fillRect/>
+          </a:stretch>
+        </p:blipFill>
+        <p:spPr bwMode="auto">
+          <a:xfrm>
+            <a:off x="4427984" y="1628800"/>
+            <a:ext cx="4248472" cy="4248472"/>
+          </a:xfrm>
+          <a:prstGeom prst="rect">
+            <a:avLst/>
+          </a:prstGeom>
+          <a:noFill/>
+          <a:ln>
+            <a:noFill/>
+          </a:ln>
+          <a:extLst>
+            <a:ext uri="{909E8E84-426E-40DD-AFC4-6F175D3DCCD1}">
+              <a14:hiddenFill xmlns:a14="http://schemas.microsoft.com/office/drawing/2010/main">
+                <a:solidFill>
+                  <a:schemeClr val="accent1"/>
+                </a:solidFill>
+              </a14:hiddenFill>
+            </a:ext>
+            <a:ext uri="{91240B29-F687-4F45-9708-019B960494DF}">
+              <a14:hiddenLine xmlns:a14="http://schemas.microsoft.com/office/drawing/2010/main" w="9525">
+                <a:solidFill>
+                  <a:schemeClr val="tx1"/>
+                </a:solidFill>
+                <a:miter lim="800000"/>
+                <a:headEnd/>
+                <a:tailEnd/>
+              </a14:hiddenLine>
+            </a:ext>
+          </a:extLst>
+        </p:spPr>
+      </p:pic>
     </p:spTree>
     <p:extLst>
       <p:ext uri="{BB962C8B-B14F-4D97-AF65-F5344CB8AC3E}">
-        <p14:creationId xmlns:p14="http://schemas.microsoft.com/office/powerpoint/2010/main" val="1426412204"/>
+        <p14:creationId xmlns:p14="http://schemas.microsoft.com/office/powerpoint/2010/main" val="1175002512"/>
       </p:ext>
     </p:extLst>
   </p:cSld>
@@ -4404,7 +5651,7 @@
           <a:p>
             <a:r>
               <a:rPr lang="en-GB" dirty="0" smtClean="0"/>
-              <a:t>Functional requirements</a:t>
+              <a:t>Delimitations</a:t>
             </a:r>
             <a:endParaRPr lang="sk-SK" dirty="0"/>
           </a:p>
@@ -4422,41 +5669,84 @@
         </p:nvSpPr>
         <p:spPr/>
         <p:txBody>
-          <a:bodyPr/>
-          <a:lstStyle/>
-          <a:p>
-            <a:r>
-              <a:rPr lang="en-GB" dirty="0" smtClean="0"/>
-              <a:t>Regarding:</a:t>
-            </a:r>
-          </a:p>
-          <a:p>
-            <a:pPr lvl="1"/>
-            <a:r>
-              <a:rPr lang="en-GB" dirty="0" smtClean="0"/>
-              <a:t>Member/Participant</a:t>
-            </a:r>
-          </a:p>
-          <a:p>
-            <a:pPr lvl="1"/>
-            <a:r>
-              <a:rPr lang="en-GB" dirty="0" smtClean="0"/>
-              <a:t>Lecturer</a:t>
-            </a:r>
-          </a:p>
-          <a:p>
-            <a:pPr lvl="1"/>
-            <a:r>
-              <a:rPr lang="en-GB" dirty="0" smtClean="0"/>
-              <a:t>Event</a:t>
-            </a:r>
-          </a:p>
-          <a:p>
-            <a:pPr lvl="1"/>
-            <a:r>
-              <a:rPr lang="en-GB" dirty="0" smtClean="0"/>
-              <a:t>Newsletter</a:t>
-            </a:r>
+          <a:bodyPr>
+            <a:normAutofit fontScale="92500" lnSpcReduction="10000"/>
+          </a:bodyPr>
+          <a:lstStyle/>
+          <a:p>
+            <a:pPr marL="514350" indent="-514350">
+              <a:buFont typeface="+mj-lt"/>
+              <a:buAutoNum type="arabicPeriod"/>
+            </a:pPr>
+            <a:endParaRPr lang="sk-SK" dirty="0"/>
+          </a:p>
+          <a:p>
+            <a:pPr marL="514350" indent="-514350">
+              <a:buFont typeface="+mj-lt"/>
+              <a:buAutoNum type="arabicPeriod"/>
+            </a:pPr>
+            <a:r>
+              <a:rPr lang="en-US" dirty="0"/>
+              <a:t>The system will not use database to store data. </a:t>
+            </a:r>
+          </a:p>
+          <a:p>
+            <a:pPr marL="514350" indent="-514350">
+              <a:buFont typeface="+mj-lt"/>
+              <a:buAutoNum type="arabicPeriod"/>
+            </a:pPr>
+            <a:r>
+              <a:rPr lang="en-US" dirty="0" smtClean="0"/>
+              <a:t>Data </a:t>
+            </a:r>
+            <a:r>
+              <a:rPr lang="en-US" dirty="0"/>
+              <a:t>will be provided by files, not from real users. </a:t>
+            </a:r>
+          </a:p>
+          <a:p>
+            <a:pPr marL="514350" indent="-514350">
+              <a:buFont typeface="+mj-lt"/>
+              <a:buAutoNum type="arabicPeriod"/>
+            </a:pPr>
+            <a:r>
+              <a:rPr lang="en-US" dirty="0" smtClean="0"/>
+              <a:t>The </a:t>
+            </a:r>
+            <a:r>
+              <a:rPr lang="en-US" dirty="0"/>
+              <a:t>system will not be storing feedback. </a:t>
+            </a:r>
+          </a:p>
+          <a:p>
+            <a:pPr marL="514350" indent="-514350">
+              <a:buFont typeface="+mj-lt"/>
+              <a:buAutoNum type="arabicPeriod"/>
+            </a:pPr>
+            <a:r>
+              <a:rPr lang="en-US" dirty="0" smtClean="0"/>
+              <a:t>The </a:t>
+            </a:r>
+            <a:r>
+              <a:rPr lang="en-US" dirty="0"/>
+              <a:t>system will not be sending emails automatically to users. </a:t>
+            </a:r>
+          </a:p>
+          <a:p>
+            <a:pPr marL="514350" indent="-514350">
+              <a:buFont typeface="+mj-lt"/>
+              <a:buAutoNum type="arabicPeriod"/>
+            </a:pPr>
+            <a:r>
+              <a:rPr lang="en-US" dirty="0" smtClean="0"/>
+              <a:t>The </a:t>
+            </a:r>
+            <a:r>
+              <a:rPr lang="en-US" dirty="0"/>
+              <a:t>system will not look for events between a specific time period. </a:t>
+            </a:r>
+          </a:p>
+          <a:p>
             <a:endParaRPr lang="sk-SK" dirty="0"/>
           </a:p>
         </p:txBody>
@@ -4464,7 +5754,7 @@
     </p:spTree>
     <p:extLst>
       <p:ext uri="{BB962C8B-B14F-4D97-AF65-F5344CB8AC3E}">
-        <p14:creationId xmlns:p14="http://schemas.microsoft.com/office/powerpoint/2010/main" val="1980660397"/>
+        <p14:creationId xmlns:p14="http://schemas.microsoft.com/office/powerpoint/2010/main" val="2979082420"/>
       </p:ext>
     </p:extLst>
   </p:cSld>
@@ -4513,81 +5803,194 @@
           <a:bodyPr/>
           <a:lstStyle/>
           <a:p>
-            <a:r>
-              <a:rPr lang="en-GB" dirty="0" smtClean="0"/>
-              <a:t>Member/Participant</a:t>
-            </a:r>
-            <a:endParaRPr lang="sk-SK" dirty="0"/>
-          </a:p>
-        </p:txBody>
-      </p:sp>
-      <p:sp>
-        <p:nvSpPr>
-          <p:cNvPr id="3" name="Zástupný symbol obsahu 2"/>
-          <p:cNvSpPr>
-            <a:spLocks noGrp="1"/>
-          </p:cNvSpPr>
-          <p:nvPr>
-            <p:ph idx="1"/>
-          </p:nvPr>
-        </p:nvSpPr>
-        <p:spPr/>
-        <p:txBody>
-          <a:bodyPr/>
-          <a:lstStyle/>
-          <a:p>
-            <a:r>
-              <a:rPr lang="en-GB" dirty="0" smtClean="0"/>
-              <a:t>Store info about new member</a:t>
-            </a:r>
-          </a:p>
-          <a:p>
-            <a:r>
-              <a:rPr lang="en-GB" dirty="0" smtClean="0"/>
-              <a:t>Generate list of emails of members who have not paid</a:t>
-            </a:r>
-          </a:p>
-          <a:p>
-            <a:r>
-              <a:rPr lang="en-US" dirty="0"/>
-              <a:t>The system must count the price for members, having considered the discount for </a:t>
-            </a:r>
-            <a:r>
-              <a:rPr lang="en-US" dirty="0" smtClean="0"/>
-              <a:t>events depending </a:t>
-            </a:r>
-            <a:r>
-              <a:rPr lang="en-US" dirty="0"/>
-              <a:t>on the event type.</a:t>
-            </a:r>
-            <a:endParaRPr lang="en-GB" dirty="0" smtClean="0"/>
-          </a:p>
-          <a:p>
-            <a:r>
-              <a:rPr lang="en-GB" dirty="0" smtClean="0"/>
-              <a:t>Sign up member/participant to an event</a:t>
-            </a:r>
-            <a:endParaRPr lang="sk-SK" dirty="0"/>
-          </a:p>
-        </p:txBody>
-      </p:sp>
+            <a:endParaRPr lang="sk-SK"/>
+          </a:p>
+        </p:txBody>
+      </p:sp>
+      <p:pic>
+        <p:nvPicPr>
+          <p:cNvPr id="4098" name="Picture 2"/>
+          <p:cNvPicPr>
+            <a:picLocks noChangeAspect="1" noChangeArrowheads="1"/>
+          </p:cNvPicPr>
+          <p:nvPr/>
+        </p:nvPicPr>
+        <p:blipFill>
+          <a:blip r:embed="rId2">
+            <a:extLst>
+              <a:ext uri="{BEBA8EAE-BF5A-486C-A8C5-ECC9F3942E4B}">
+                <a14:imgProps xmlns:a14="http://schemas.microsoft.com/office/drawing/2010/main">
+                  <a14:imgLayer r:embed="rId3">
+                    <a14:imgEffect>
+                      <a14:backgroundRemoval t="0" b="100000" l="0" r="100000">
+                        <a14:foregroundMark x1="44531" y1="70703" x2="44531" y2="70703"/>
+                        <a14:foregroundMark x1="48828" y1="78516" x2="48828" y2="78516"/>
+                        <a14:foregroundMark x1="47656" y1="63281" x2="52344" y2="54297"/>
+                        <a14:foregroundMark x1="53125" y1="87109" x2="65234" y2="75000"/>
+                      </a14:backgroundRemoval>
+                    </a14:imgEffect>
+                  </a14:imgLayer>
+                </a14:imgProps>
+              </a:ext>
+              <a:ext uri="{28A0092B-C50C-407E-A947-70E740481C1C}">
+                <a14:useLocalDpi xmlns:a14="http://schemas.microsoft.com/office/drawing/2010/main" val="0"/>
+              </a:ext>
+            </a:extLst>
+          </a:blip>
+          <a:srcRect/>
+          <a:stretch>
+            <a:fillRect/>
+          </a:stretch>
+        </p:blipFill>
+        <p:spPr bwMode="auto">
+          <a:xfrm>
+            <a:off x="971600" y="1628800"/>
+            <a:ext cx="2438400" cy="2438400"/>
+          </a:xfrm>
+          <a:prstGeom prst="rect">
+            <a:avLst/>
+          </a:prstGeom>
+          <a:noFill/>
+          <a:ln>
+            <a:noFill/>
+          </a:ln>
+          <a:extLst>
+            <a:ext uri="{909E8E84-426E-40DD-AFC4-6F175D3DCCD1}">
+              <a14:hiddenFill xmlns:a14="http://schemas.microsoft.com/office/drawing/2010/main">
+                <a:solidFill>
+                  <a:schemeClr val="accent1"/>
+                </a:solidFill>
+              </a14:hiddenFill>
+            </a:ext>
+            <a:ext uri="{91240B29-F687-4F45-9708-019B960494DF}">
+              <a14:hiddenLine xmlns:a14="http://schemas.microsoft.com/office/drawing/2010/main" w="9525">
+                <a:solidFill>
+                  <a:schemeClr val="tx1"/>
+                </a:solidFill>
+                <a:miter lim="800000"/>
+                <a:headEnd/>
+                <a:tailEnd/>
+              </a14:hiddenLine>
+            </a:ext>
+          </a:extLst>
+        </p:spPr>
+      </p:pic>
+      <p:pic>
+        <p:nvPicPr>
+          <p:cNvPr id="4099" name="Picture 3"/>
+          <p:cNvPicPr>
+            <a:picLocks noChangeAspect="1" noChangeArrowheads="1"/>
+          </p:cNvPicPr>
+          <p:nvPr/>
+        </p:nvPicPr>
+        <p:blipFill>
+          <a:blip r:embed="rId4">
+            <a:extLst>
+              <a:ext uri="{28A0092B-C50C-407E-A947-70E740481C1C}">
+                <a14:useLocalDpi xmlns:a14="http://schemas.microsoft.com/office/drawing/2010/main" val="0"/>
+              </a:ext>
+            </a:extLst>
+          </a:blip>
+          <a:srcRect/>
+          <a:stretch>
+            <a:fillRect/>
+          </a:stretch>
+        </p:blipFill>
+        <p:spPr bwMode="auto">
+          <a:xfrm>
+            <a:off x="4067944" y="1832482"/>
+            <a:ext cx="3783707" cy="2031036"/>
+          </a:xfrm>
+          <a:prstGeom prst="rect">
+            <a:avLst/>
+          </a:prstGeom>
+          <a:noFill/>
+          <a:ln>
+            <a:noFill/>
+          </a:ln>
+          <a:extLst>
+            <a:ext uri="{909E8E84-426E-40DD-AFC4-6F175D3DCCD1}">
+              <a14:hiddenFill xmlns:a14="http://schemas.microsoft.com/office/drawing/2010/main">
+                <a:solidFill>
+                  <a:schemeClr val="accent1"/>
+                </a:solidFill>
+              </a14:hiddenFill>
+            </a:ext>
+            <a:ext uri="{91240B29-F687-4F45-9708-019B960494DF}">
+              <a14:hiddenLine xmlns:a14="http://schemas.microsoft.com/office/drawing/2010/main" w="9525">
+                <a:solidFill>
+                  <a:schemeClr val="tx1"/>
+                </a:solidFill>
+                <a:miter lim="800000"/>
+                <a:headEnd/>
+                <a:tailEnd/>
+              </a14:hiddenLine>
+            </a:ext>
+          </a:extLst>
+        </p:spPr>
+      </p:pic>
+      <p:pic>
+        <p:nvPicPr>
+          <p:cNvPr id="4100" name="Picture 4"/>
+          <p:cNvPicPr>
+            <a:picLocks noChangeAspect="1" noChangeArrowheads="1"/>
+          </p:cNvPicPr>
+          <p:nvPr/>
+        </p:nvPicPr>
+        <p:blipFill rotWithShape="1">
+          <a:blip r:embed="rId5">
+            <a:extLst>
+              <a:ext uri="{28A0092B-C50C-407E-A947-70E740481C1C}">
+                <a14:useLocalDpi xmlns:a14="http://schemas.microsoft.com/office/drawing/2010/main" val="0"/>
+              </a:ext>
+            </a:extLst>
+          </a:blip>
+          <a:srcRect l="38563" r="33216"/>
+          <a:stretch/>
+        </p:blipFill>
+        <p:spPr bwMode="auto">
+          <a:xfrm>
+            <a:off x="1200712" y="3356992"/>
+            <a:ext cx="2867232" cy="2908300"/>
+          </a:xfrm>
+          <a:prstGeom prst="rect">
+            <a:avLst/>
+          </a:prstGeom>
+          <a:noFill/>
+          <a:ln>
+            <a:noFill/>
+          </a:ln>
+          <a:extLst>
+            <a:ext uri="{909E8E84-426E-40DD-AFC4-6F175D3DCCD1}">
+              <a14:hiddenFill xmlns:a14="http://schemas.microsoft.com/office/drawing/2010/main">
+                <a:solidFill>
+                  <a:schemeClr val="accent1"/>
+                </a:solidFill>
+              </a14:hiddenFill>
+            </a:ext>
+            <a:ext uri="{91240B29-F687-4F45-9708-019B960494DF}">
+              <a14:hiddenLine xmlns:a14="http://schemas.microsoft.com/office/drawing/2010/main" w="9525">
+                <a:solidFill>
+                  <a:schemeClr val="tx1"/>
+                </a:solidFill>
+                <a:miter lim="800000"/>
+                <a:headEnd/>
+                <a:tailEnd/>
+              </a14:hiddenLine>
+            </a:ext>
+          </a:extLst>
+        </p:spPr>
+      </p:pic>
     </p:spTree>
     <p:extLst>
       <p:ext uri="{BB962C8B-B14F-4D97-AF65-F5344CB8AC3E}">
-        <p14:creationId xmlns:p14="http://schemas.microsoft.com/office/powerpoint/2010/main" val="1662673426"/>
+        <p14:creationId xmlns:p14="http://schemas.microsoft.com/office/powerpoint/2010/main" val="2809141639"/>
       </p:ext>
     </p:extLst>
   </p:cSld>
   <p:clrMapOvr>
     <a:masterClrMapping/>
   </p:clrMapOvr>
-  <p:timing>
-    <p:tnLst>
-      <p:par>
-        <p:cTn id="1" dur="indefinite" restart="never" nodeType="tmRoot"/>
-      </p:par>
-    </p:tnLst>
-  </p:timing>
 </p:sld>
 </file>
 
@@ -4627,66 +6030,188 @@
           </a:p>
         </p:txBody>
       </p:sp>
-      <p:sp>
-        <p:nvSpPr>
-          <p:cNvPr id="3" name="Zástupný symbol obsahu 2"/>
-          <p:cNvSpPr>
-            <a:spLocks noGrp="1"/>
-          </p:cNvSpPr>
-          <p:nvPr>
-            <p:ph idx="1"/>
-          </p:nvPr>
-        </p:nvSpPr>
-        <p:spPr/>
-        <p:txBody>
-          <a:bodyPr/>
-          <a:lstStyle/>
-          <a:p>
-            <a:endParaRPr lang="sk-SK"/>
-          </a:p>
-        </p:txBody>
-      </p:sp>
       <p:pic>
         <p:nvPicPr>
-          <p:cNvPr id="5" name="image16.png"/>
-          <p:cNvPicPr/>
+          <p:cNvPr id="4098" name="Picture 2"/>
+          <p:cNvPicPr>
+            <a:picLocks noChangeAspect="1" noChangeArrowheads="1"/>
+          </p:cNvPicPr>
           <p:nvPr/>
         </p:nvPicPr>
         <p:blipFill>
-          <a:blip r:embed="rId2"/>
+          <a:blip r:embed="rId2">
+            <a:extLst>
+              <a:ext uri="{BEBA8EAE-BF5A-486C-A8C5-ECC9F3942E4B}">
+                <a14:imgProps xmlns:a14="http://schemas.microsoft.com/office/drawing/2010/main">
+                  <a14:imgLayer r:embed="rId3">
+                    <a14:imgEffect>
+                      <a14:backgroundRemoval t="0" b="100000" l="0" r="100000">
+                        <a14:foregroundMark x1="44531" y1="70703" x2="44531" y2="70703"/>
+                        <a14:foregroundMark x1="48828" y1="78516" x2="48828" y2="78516"/>
+                        <a14:foregroundMark x1="47656" y1="63281" x2="52344" y2="54297"/>
+                        <a14:foregroundMark x1="53125" y1="87109" x2="65234" y2="75000"/>
+                      </a14:backgroundRemoval>
+                    </a14:imgEffect>
+                  </a14:imgLayer>
+                </a14:imgProps>
+              </a:ext>
+              <a:ext uri="{28A0092B-C50C-407E-A947-70E740481C1C}">
+                <a14:useLocalDpi xmlns:a14="http://schemas.microsoft.com/office/drawing/2010/main" val="0"/>
+              </a:ext>
+            </a:extLst>
+          </a:blip>
           <a:srcRect/>
           <a:stretch>
             <a:fillRect/>
           </a:stretch>
         </p:blipFill>
-        <p:spPr>
+        <p:spPr bwMode="auto">
           <a:xfrm>
-            <a:off x="1475656" y="764704"/>
-            <a:ext cx="6768752" cy="5544615"/>
+            <a:off x="539552" y="1672211"/>
+            <a:ext cx="2438400" cy="2438400"/>
           </a:xfrm>
           <a:prstGeom prst="rect">
             <a:avLst/>
           </a:prstGeom>
-          <a:ln/>
+          <a:noFill/>
+          <a:ln>
+            <a:noFill/>
+          </a:ln>
+          <a:extLst>
+            <a:ext uri="{909E8E84-426E-40DD-AFC4-6F175D3DCCD1}">
+              <a14:hiddenFill xmlns:a14="http://schemas.microsoft.com/office/drawing/2010/main">
+                <a:solidFill>
+                  <a:schemeClr val="accent1"/>
+                </a:solidFill>
+              </a14:hiddenFill>
+            </a:ext>
+            <a:ext uri="{91240B29-F687-4F45-9708-019B960494DF}">
+              <a14:hiddenLine xmlns:a14="http://schemas.microsoft.com/office/drawing/2010/main" w="9525">
+                <a:solidFill>
+                  <a:schemeClr val="tx1"/>
+                </a:solidFill>
+                <a:miter lim="800000"/>
+                <a:headEnd/>
+                <a:tailEnd/>
+              </a14:hiddenLine>
+            </a:ext>
+          </a:extLst>
         </p:spPr>
       </p:pic>
+      <p:pic>
+        <p:nvPicPr>
+          <p:cNvPr id="4100" name="Picture 4"/>
+          <p:cNvPicPr>
+            <a:picLocks noChangeAspect="1" noChangeArrowheads="1"/>
+          </p:cNvPicPr>
+          <p:nvPr/>
+        </p:nvPicPr>
+        <p:blipFill rotWithShape="1">
+          <a:blip r:embed="rId4">
+            <a:extLst>
+              <a:ext uri="{28A0092B-C50C-407E-A947-70E740481C1C}">
+                <a14:useLocalDpi xmlns:a14="http://schemas.microsoft.com/office/drawing/2010/main" val="0"/>
+              </a:ext>
+            </a:extLst>
+          </a:blip>
+          <a:srcRect l="38563" r="33216"/>
+          <a:stretch/>
+        </p:blipFill>
+        <p:spPr bwMode="auto">
+          <a:xfrm>
+            <a:off x="3275856" y="1713557"/>
+            <a:ext cx="2395397" cy="2429707"/>
+          </a:xfrm>
+          <a:prstGeom prst="rect">
+            <a:avLst/>
+          </a:prstGeom>
+          <a:noFill/>
+          <a:ln>
+            <a:noFill/>
+          </a:ln>
+          <a:extLst>
+            <a:ext uri="{909E8E84-426E-40DD-AFC4-6F175D3DCCD1}">
+              <a14:hiddenFill xmlns:a14="http://schemas.microsoft.com/office/drawing/2010/main">
+                <a:solidFill>
+                  <a:schemeClr val="accent1"/>
+                </a:solidFill>
+              </a14:hiddenFill>
+            </a:ext>
+            <a:ext uri="{91240B29-F687-4F45-9708-019B960494DF}">
+              <a14:hiddenLine xmlns:a14="http://schemas.microsoft.com/office/drawing/2010/main" w="9525">
+                <a:solidFill>
+                  <a:schemeClr val="tx1"/>
+                </a:solidFill>
+                <a:miter lim="800000"/>
+                <a:headEnd/>
+                <a:tailEnd/>
+              </a14:hiddenLine>
+            </a:ext>
+          </a:extLst>
+        </p:spPr>
+      </p:pic>
+      <p:sp>
+        <p:nvSpPr>
+          <p:cNvPr id="3" name="Kríž 2"/>
+          <p:cNvSpPr/>
+          <p:nvPr/>
+        </p:nvSpPr>
+        <p:spPr>
+          <a:xfrm rot="2727831">
+            <a:off x="2885805" y="1324108"/>
+            <a:ext cx="3175497" cy="3164611"/>
+          </a:xfrm>
+          <a:prstGeom prst="plus">
+            <a:avLst>
+              <a:gd name="adj" fmla="val 46936"/>
+            </a:avLst>
+          </a:prstGeom>
+          <a:solidFill>
+            <a:srgbClr val="FF0000">
+              <a:alpha val="71000"/>
+            </a:srgbClr>
+          </a:solidFill>
+          <a:ln w="47625">
+            <a:solidFill>
+              <a:srgbClr val="C00000"/>
+            </a:solidFill>
+          </a:ln>
+        </p:spPr>
+        <p:style>
+          <a:lnRef idx="2">
+            <a:schemeClr val="accent1">
+              <a:shade val="50000"/>
+            </a:schemeClr>
+          </a:lnRef>
+          <a:fillRef idx="1">
+            <a:schemeClr val="accent1"/>
+          </a:fillRef>
+          <a:effectRef idx="0">
+            <a:schemeClr val="accent1"/>
+          </a:effectRef>
+          <a:fontRef idx="minor">
+            <a:schemeClr val="lt1"/>
+          </a:fontRef>
+        </p:style>
+        <p:txBody>
+          <a:bodyPr rtlCol="0" anchor="ctr"/>
+          <a:lstStyle/>
+          <a:p>
+            <a:pPr algn="ctr"/>
+            <a:endParaRPr lang="sk-SK"/>
+          </a:p>
+        </p:txBody>
+      </p:sp>
     </p:spTree>
     <p:extLst>
       <p:ext uri="{BB962C8B-B14F-4D97-AF65-F5344CB8AC3E}">
-        <p14:creationId xmlns:p14="http://schemas.microsoft.com/office/powerpoint/2010/main" val="326808985"/>
+        <p14:creationId xmlns:p14="http://schemas.microsoft.com/office/powerpoint/2010/main" val="3953227568"/>
       </p:ext>
     </p:extLst>
   </p:cSld>
   <p:clrMapOvr>
     <a:masterClrMapping/>
   </p:clrMapOvr>
-  <p:timing>
-    <p:tnLst>
-      <p:par>
-        <p:cTn id="1" dur="indefinite" restart="never" nodeType="tmRoot"/>
-      </p:par>
-    </p:tnLst>
-  </p:timing>
 </p:sld>
 </file>
 
@@ -4724,45 +6249,377 @@
           <a:p>
             <a:r>
               <a:rPr lang="en-GB" dirty="0" smtClean="0"/>
-              <a:t>Lecturer</a:t>
+              <a:t>Delimitations</a:t>
             </a:r>
             <a:endParaRPr lang="sk-SK" dirty="0"/>
           </a:p>
         </p:txBody>
       </p:sp>
-      <p:sp>
-        <p:nvSpPr>
-          <p:cNvPr id="3" name="Zástupný symbol obsahu 2"/>
-          <p:cNvSpPr>
-            <a:spLocks noGrp="1"/>
-          </p:cNvSpPr>
+      <p:pic>
+        <p:nvPicPr>
+          <p:cNvPr id="5123" name="Picture 3"/>
+          <p:cNvPicPr>
+            <a:picLocks noChangeAspect="1" noChangeArrowheads="1"/>
+          </p:cNvPicPr>
+          <p:nvPr/>
+        </p:nvPicPr>
+        <p:blipFill>
+          <a:blip r:embed="rId2">
+            <a:extLst>
+              <a:ext uri="{BEBA8EAE-BF5A-486C-A8C5-ECC9F3942E4B}">
+                <a14:imgProps xmlns:a14="http://schemas.microsoft.com/office/drawing/2010/main">
+                  <a14:imgLayer r:embed="rId3">
+                    <a14:imgEffect>
+                      <a14:backgroundRemoval t="0" b="100000" l="0" r="100000"/>
+                    </a14:imgEffect>
+                  </a14:imgLayer>
+                </a14:imgProps>
+              </a:ext>
+              <a:ext uri="{28A0092B-C50C-407E-A947-70E740481C1C}">
+                <a14:useLocalDpi xmlns:a14="http://schemas.microsoft.com/office/drawing/2010/main" val="0"/>
+              </a:ext>
+            </a:extLst>
+          </a:blip>
+          <a:srcRect/>
+          <a:stretch>
+            <a:fillRect/>
+          </a:stretch>
+        </p:blipFill>
+        <p:spPr bwMode="auto">
+          <a:xfrm>
+            <a:off x="467544" y="1809579"/>
+            <a:ext cx="1905000" cy="1905000"/>
+          </a:xfrm>
+          <a:prstGeom prst="rect">
+            <a:avLst/>
+          </a:prstGeom>
+          <a:noFill/>
+          <a:ln>
+            <a:noFill/>
+          </a:ln>
+          <a:extLst>
+            <a:ext uri="{909E8E84-426E-40DD-AFC4-6F175D3DCCD1}">
+              <a14:hiddenFill xmlns:a14="http://schemas.microsoft.com/office/drawing/2010/main">
+                <a:solidFill>
+                  <a:schemeClr val="accent1"/>
+                </a:solidFill>
+              </a14:hiddenFill>
+            </a:ext>
+            <a:ext uri="{91240B29-F687-4F45-9708-019B960494DF}">
+              <a14:hiddenLine xmlns:a14="http://schemas.microsoft.com/office/drawing/2010/main" w="9525">
+                <a:solidFill>
+                  <a:schemeClr val="tx1"/>
+                </a:solidFill>
+                <a:miter lim="800000"/>
+                <a:headEnd/>
+                <a:tailEnd/>
+              </a14:hiddenLine>
+            </a:ext>
+          </a:extLst>
+        </p:spPr>
+      </p:pic>
+      <p:pic>
+        <p:nvPicPr>
+          <p:cNvPr id="7" name="Picture 4"/>
+          <p:cNvPicPr>
+            <a:picLocks noChangeAspect="1" noChangeArrowheads="1"/>
+          </p:cNvPicPr>
+          <p:nvPr/>
+        </p:nvPicPr>
+        <p:blipFill rotWithShape="1">
+          <a:blip r:embed="rId4">
+            <a:extLst>
+              <a:ext uri="{28A0092B-C50C-407E-A947-70E740481C1C}">
+                <a14:useLocalDpi xmlns:a14="http://schemas.microsoft.com/office/drawing/2010/main" val="0"/>
+              </a:ext>
+            </a:extLst>
+          </a:blip>
+          <a:srcRect l="38563" r="33216"/>
+          <a:stretch/>
+        </p:blipFill>
+        <p:spPr bwMode="auto">
+          <a:xfrm>
+            <a:off x="2495308" y="1284872"/>
+            <a:ext cx="2395397" cy="2429707"/>
+          </a:xfrm>
+          <a:prstGeom prst="rect">
+            <a:avLst/>
+          </a:prstGeom>
+          <a:noFill/>
+          <a:ln>
+            <a:noFill/>
+          </a:ln>
+          <a:extLst>
+            <a:ext uri="{909E8E84-426E-40DD-AFC4-6F175D3DCCD1}">
+              <a14:hiddenFill xmlns:a14="http://schemas.microsoft.com/office/drawing/2010/main">
+                <a:solidFill>
+                  <a:schemeClr val="accent1"/>
+                </a:solidFill>
+              </a14:hiddenFill>
+            </a:ext>
+            <a:ext uri="{91240B29-F687-4F45-9708-019B960494DF}">
+              <a14:hiddenLine xmlns:a14="http://schemas.microsoft.com/office/drawing/2010/main" w="9525">
+                <a:solidFill>
+                  <a:schemeClr val="tx1"/>
+                </a:solidFill>
+                <a:miter lim="800000"/>
+                <a:headEnd/>
+                <a:tailEnd/>
+              </a14:hiddenLine>
+            </a:ext>
+          </a:extLst>
+        </p:spPr>
+      </p:pic>
+      <p:pic>
+        <p:nvPicPr>
+          <p:cNvPr id="5124" name="Picture 4"/>
+          <p:cNvPicPr>
+            <a:picLocks noChangeAspect="1" noChangeArrowheads="1"/>
+          </p:cNvPicPr>
+          <p:nvPr/>
+        </p:nvPicPr>
+        <p:blipFill rotWithShape="1">
+          <a:blip r:embed="rId5">
+            <a:extLst>
+              <a:ext uri="{28A0092B-C50C-407E-A947-70E740481C1C}">
+                <a14:useLocalDpi xmlns:a14="http://schemas.microsoft.com/office/drawing/2010/main" val="0"/>
+              </a:ext>
+            </a:extLst>
+          </a:blip>
+          <a:srcRect l="19500" r="24330"/>
+          <a:stretch/>
+        </p:blipFill>
+        <p:spPr bwMode="auto">
+          <a:xfrm>
+            <a:off x="5281796" y="1809579"/>
+            <a:ext cx="3594939" cy="2287688"/>
+          </a:xfrm>
+          <a:prstGeom prst="rect">
+            <a:avLst/>
+          </a:prstGeom>
+          <a:noFill/>
+          <a:ln>
+            <a:noFill/>
+          </a:ln>
+          <a:extLst>
+            <a:ext uri="{909E8E84-426E-40DD-AFC4-6F175D3DCCD1}">
+              <a14:hiddenFill xmlns:a14="http://schemas.microsoft.com/office/drawing/2010/main">
+                <a:solidFill>
+                  <a:schemeClr val="accent1"/>
+                </a:solidFill>
+              </a14:hiddenFill>
+            </a:ext>
+            <a:ext uri="{91240B29-F687-4F45-9708-019B960494DF}">
+              <a14:hiddenLine xmlns:a14="http://schemas.microsoft.com/office/drawing/2010/main" w="9525">
+                <a:solidFill>
+                  <a:schemeClr val="tx1"/>
+                </a:solidFill>
+                <a:miter lim="800000"/>
+                <a:headEnd/>
+                <a:tailEnd/>
+              </a14:hiddenLine>
+            </a:ext>
+          </a:extLst>
+        </p:spPr>
+      </p:pic>
+      <p:sp>
+        <p:nvSpPr>
+          <p:cNvPr id="5" name="BlokTextu 4"/>
+          <p:cNvSpPr txBox="1"/>
+          <p:nvPr/>
+        </p:nvSpPr>
+        <p:spPr>
+          <a:xfrm>
+            <a:off x="5675109" y="1338927"/>
+            <a:ext cx="2808312" cy="523220"/>
+          </a:xfrm>
+          <a:prstGeom prst="rect">
+            <a:avLst/>
+          </a:prstGeom>
+          <a:noFill/>
+        </p:spPr>
+        <p:txBody>
+          <a:bodyPr wrap="square" rtlCol="0">
+            <a:spAutoFit/>
+          </a:bodyPr>
+          <a:lstStyle/>
+          <a:p>
+            <a:pPr algn="ctr"/>
+            <a:r>
+              <a:rPr lang="en-GB" sz="2800" b="1" spc="400" dirty="0" smtClean="0">
+                <a:latin typeface="Arial Black" panose="020B0A04020102020204" pitchFamily="34" charset="0"/>
+              </a:rPr>
+              <a:t>FEEDBACK</a:t>
+            </a:r>
+            <a:endParaRPr lang="sk-SK" sz="2800" b="1" spc="400" dirty="0">
+              <a:latin typeface="Arial Black" panose="020B0A04020102020204" pitchFamily="34" charset="0"/>
+            </a:endParaRPr>
+          </a:p>
+        </p:txBody>
+      </p:sp>
+      <p:pic>
+        <p:nvPicPr>
+          <p:cNvPr id="5126" name="Picture 6" descr="C:\Users\Acer Matej\Downloads\bulk_emails-1024x760.png"/>
+          <p:cNvPicPr>
+            <a:picLocks noChangeAspect="1" noChangeArrowheads="1"/>
+          </p:cNvPicPr>
+          <p:nvPr/>
+        </p:nvPicPr>
+        <p:blipFill>
+          <a:blip r:embed="rId6" cstate="print">
+            <a:extLst>
+              <a:ext uri="{28A0092B-C50C-407E-A947-70E740481C1C}">
+                <a14:useLocalDpi xmlns:a14="http://schemas.microsoft.com/office/drawing/2010/main" val="0"/>
+              </a:ext>
+            </a:extLst>
+          </a:blip>
+          <a:srcRect/>
+          <a:stretch>
+            <a:fillRect/>
+          </a:stretch>
+        </p:blipFill>
+        <p:spPr bwMode="auto">
+          <a:xfrm>
+            <a:off x="1388554" y="4071019"/>
+            <a:ext cx="2979340" cy="2211229"/>
+          </a:xfrm>
+          <a:prstGeom prst="rect">
+            <a:avLst/>
+          </a:prstGeom>
+          <a:noFill/>
+          <a:extLst>
+            <a:ext uri="{909E8E84-426E-40DD-AFC4-6F175D3DCCD1}">
+              <a14:hiddenFill xmlns:a14="http://schemas.microsoft.com/office/drawing/2010/main">
+                <a:solidFill>
+                  <a:srgbClr val="FFFFFF"/>
+                </a:solidFill>
+              </a14:hiddenFill>
+            </a:ext>
+          </a:extLst>
+        </p:spPr>
+      </p:pic>
+      <p:pic>
+        <p:nvPicPr>
+          <p:cNvPr id="5127" name="Picture 7"/>
+          <p:cNvPicPr>
+            <a:picLocks noChangeAspect="1" noChangeArrowheads="1"/>
+          </p:cNvPicPr>
+          <p:nvPr/>
+        </p:nvPicPr>
+        <p:blipFill rotWithShape="1">
+          <a:blip r:embed="rId7">
+            <a:extLst>
+              <a:ext uri="{28A0092B-C50C-407E-A947-70E740481C1C}">
+                <a14:useLocalDpi xmlns:a14="http://schemas.microsoft.com/office/drawing/2010/main" val="0"/>
+              </a:ext>
+            </a:extLst>
+          </a:blip>
+          <a:srcRect l="26487" t="7604" r="24662" b="12980"/>
+          <a:stretch/>
+        </p:blipFill>
+        <p:spPr bwMode="auto">
+          <a:xfrm>
+            <a:off x="4874462" y="3982980"/>
+            <a:ext cx="2808312" cy="2387305"/>
+          </a:xfrm>
+          <a:prstGeom prst="rect">
+            <a:avLst/>
+          </a:prstGeom>
+          <a:noFill/>
+          <a:ln>
+            <a:noFill/>
+          </a:ln>
+          <a:extLst>
+            <a:ext uri="{909E8E84-426E-40DD-AFC4-6F175D3DCCD1}">
+              <a14:hiddenFill xmlns:a14="http://schemas.microsoft.com/office/drawing/2010/main">
+                <a:solidFill>
+                  <a:schemeClr val="accent1"/>
+                </a:solidFill>
+              </a14:hiddenFill>
+            </a:ext>
+            <a:ext uri="{91240B29-F687-4F45-9708-019B960494DF}">
+              <a14:hiddenLine xmlns:a14="http://schemas.microsoft.com/office/drawing/2010/main" w="9525">
+                <a:solidFill>
+                  <a:schemeClr val="tx1"/>
+                </a:solidFill>
+                <a:miter lim="800000"/>
+                <a:headEnd/>
+                <a:tailEnd/>
+              </a14:hiddenLine>
+            </a:ext>
+          </a:extLst>
+        </p:spPr>
+      </p:pic>
+      <p:pic>
+        <p:nvPicPr>
+          <p:cNvPr id="5122" name="Picture 2"/>
+          <p:cNvPicPr>
+            <a:picLocks noGrp="1" noChangeAspect="1" noChangeArrowheads="1"/>
+          </p:cNvPicPr>
           <p:nvPr>
             <p:ph idx="1"/>
           </p:nvPr>
-        </p:nvSpPr>
-        <p:spPr/>
-        <p:txBody>
-          <a:bodyPr/>
-          <a:lstStyle/>
-          <a:p>
-            <a:r>
-              <a:rPr lang="en-GB" dirty="0" smtClean="0"/>
-              <a:t>Store info about new lecturer</a:t>
-            </a:r>
-          </a:p>
-          <a:p>
-            <a:r>
-              <a:rPr lang="en-GB" dirty="0" smtClean="0"/>
-              <a:t>Search for lecturers of given category</a:t>
-            </a:r>
-            <a:endParaRPr lang="sk-SK" dirty="0"/>
-          </a:p>
-        </p:txBody>
-      </p:sp>
+        </p:nvPicPr>
+        <p:blipFill>
+          <a:blip r:embed="rId8">
+            <a:extLst>
+              <a:ext uri="{28A0092B-C50C-407E-A947-70E740481C1C}">
+                <a14:useLocalDpi xmlns:a14="http://schemas.microsoft.com/office/drawing/2010/main" val="0"/>
+              </a:ext>
+            </a:extLst>
+          </a:blip>
+          <a:srcRect/>
+          <a:stretch>
+            <a:fillRect/>
+          </a:stretch>
+        </p:blipFill>
+        <p:spPr bwMode="auto">
+          <a:xfrm>
+            <a:off x="-1016" y="7753"/>
+            <a:ext cx="9145016" cy="6850247"/>
+          </a:xfrm>
+          <a:prstGeom prst="rect">
+            <a:avLst/>
+          </a:prstGeom>
+          <a:noFill/>
+          <a:ln>
+            <a:noFill/>
+          </a:ln>
+          <a:effectLst/>
+          <a:extLst>
+            <a:ext uri="{909E8E84-426E-40DD-AFC4-6F175D3DCCD1}">
+              <a14:hiddenFill xmlns:a14="http://schemas.microsoft.com/office/drawing/2010/main">
+                <a:solidFill>
+                  <a:schemeClr val="accent1"/>
+                </a:solidFill>
+              </a14:hiddenFill>
+            </a:ext>
+            <a:ext uri="{91240B29-F687-4F45-9708-019B960494DF}">
+              <a14:hiddenLine xmlns:a14="http://schemas.microsoft.com/office/drawing/2010/main" w="9525">
+                <a:solidFill>
+                  <a:schemeClr val="tx1"/>
+                </a:solidFill>
+                <a:miter lim="800000"/>
+                <a:headEnd/>
+                <a:tailEnd/>
+              </a14:hiddenLine>
+            </a:ext>
+            <a:ext uri="{AF507438-7753-43E0-B8FC-AC1667EBCBE1}">
+              <a14:hiddenEffects xmlns:a14="http://schemas.microsoft.com/office/drawing/2010/main">
+                <a:effectLst>
+                  <a:outerShdw dist="35921" dir="2700000" algn="ctr" rotWithShape="0">
+                    <a:schemeClr val="bg2"/>
+                  </a:outerShdw>
+                </a:effectLst>
+              </a14:hiddenEffects>
+            </a:ext>
+          </a:extLst>
+        </p:spPr>
+      </p:pic>
     </p:spTree>
     <p:extLst>
       <p:ext uri="{BB962C8B-B14F-4D97-AF65-F5344CB8AC3E}">
-        <p14:creationId xmlns:p14="http://schemas.microsoft.com/office/powerpoint/2010/main" val="2148162219"/>
+        <p14:creationId xmlns:p14="http://schemas.microsoft.com/office/powerpoint/2010/main" val="3770282767"/>
       </p:ext>
     </p:extLst>
   </p:cSld>
@@ -4811,7 +6668,11 @@
           <a:bodyPr/>
           <a:lstStyle/>
           <a:p>
-            <a:endParaRPr lang="sk-SK"/>
+            <a:r>
+              <a:rPr lang="en-GB" dirty="0" smtClean="0"/>
+              <a:t>Requirements</a:t>
+            </a:r>
+            <a:endParaRPr lang="sk-SK" dirty="0"/>
           </a:p>
         </p:txBody>
       </p:sp>
@@ -4830,38 +6691,90 @@
           <a:bodyPr/>
           <a:lstStyle/>
           <a:p>
-            <a:endParaRPr lang="sk-SK"/>
+            <a:pPr marL="514350" indent="-514350">
+              <a:buFont typeface="+mj-lt"/>
+              <a:buAutoNum type="alphaLcParenR"/>
+            </a:pPr>
+            <a:r>
+              <a:rPr lang="en-GB" dirty="0" smtClean="0"/>
+              <a:t>Functional</a:t>
+            </a:r>
+          </a:p>
+          <a:p>
+            <a:pPr marL="514350" indent="-514350">
+              <a:buFont typeface="+mj-lt"/>
+              <a:buAutoNum type="alphaLcParenR"/>
+            </a:pPr>
+            <a:r>
+              <a:rPr lang="en-GB" dirty="0" smtClean="0"/>
+              <a:t>Non-functiona</a:t>
+            </a:r>
+            <a:r>
+              <a:rPr lang="en-GB" dirty="0"/>
+              <a:t>l</a:t>
+            </a:r>
+            <a:endParaRPr lang="sk-SK" dirty="0"/>
           </a:p>
         </p:txBody>
       </p:sp>
       <p:pic>
         <p:nvPicPr>
-          <p:cNvPr id="4" name="image15.png"/>
-          <p:cNvPicPr/>
+          <p:cNvPr id="6146" name="Picture 2"/>
+          <p:cNvPicPr>
+            <a:picLocks noChangeAspect="1" noChangeArrowheads="1"/>
+          </p:cNvPicPr>
           <p:nvPr/>
         </p:nvPicPr>
         <p:blipFill>
-          <a:blip r:embed="rId2"/>
+          <a:blip r:embed="rId2">
+            <a:extLst>
+              <a:ext uri="{28A0092B-C50C-407E-A947-70E740481C1C}">
+                <a14:useLocalDpi xmlns:a14="http://schemas.microsoft.com/office/drawing/2010/main" val="0"/>
+              </a:ext>
+            </a:extLst>
+          </a:blip>
           <a:srcRect/>
           <a:stretch>
             <a:fillRect/>
           </a:stretch>
         </p:blipFill>
-        <p:spPr>
+        <p:spPr bwMode="auto">
           <a:xfrm>
-            <a:off x="1619672" y="908720"/>
-            <a:ext cx="5688631" cy="5616624"/>
+            <a:off x="1763688" y="1124744"/>
+            <a:ext cx="5472608" cy="5472608"/>
           </a:xfrm>
           <a:prstGeom prst="rect">
             <a:avLst/>
           </a:prstGeom>
-          <a:ln/>
+          <a:noFill/>
+          <a:ln>
+            <a:noFill/>
+          </a:ln>
+          <a:extLst>
+            <a:ext uri="{909E8E84-426E-40DD-AFC4-6F175D3DCCD1}">
+              <a14:hiddenFill xmlns:a14="http://schemas.microsoft.com/office/drawing/2010/main">
+                <a:solidFill>
+                  <a:schemeClr val="accent1"/>
+                </a:solidFill>
+              </a14:hiddenFill>
+            </a:ext>
+            <a:ext uri="{91240B29-F687-4F45-9708-019B960494DF}">
+              <a14:hiddenLine xmlns:a14="http://schemas.microsoft.com/office/drawing/2010/main" w="9525">
+                <a:solidFill>
+                  <a:schemeClr val="tx1"/>
+                </a:solidFill>
+                <a:miter lim="800000"/>
+                <a:headEnd/>
+                <a:tailEnd/>
+              </a14:hiddenLine>
+            </a:ext>
+          </a:extLst>
         </p:spPr>
       </p:pic>
     </p:spTree>
     <p:extLst>
       <p:ext uri="{BB962C8B-B14F-4D97-AF65-F5344CB8AC3E}">
-        <p14:creationId xmlns:p14="http://schemas.microsoft.com/office/powerpoint/2010/main" val="984753232"/>
+        <p14:creationId xmlns:p14="http://schemas.microsoft.com/office/powerpoint/2010/main" val="1426412204"/>
       </p:ext>
     </p:extLst>
   </p:cSld>
